--- a/technicalReport/tt2/presentacionTT2-v1.2.pptx
+++ b/technicalReport/tt2/presentacionTT2-v1.2.pptx
@@ -5,7 +5,7 @@
     <p:sldMasterId id="2147483792" r:id="rId1"/>
   </p:sldMasterIdLst>
   <p:notesMasterIdLst>
-    <p:notesMasterId r:id="rId27"/>
+    <p:notesMasterId r:id="rId29"/>
   </p:notesMasterIdLst>
   <p:sldIdLst>
     <p:sldId id="269" r:id="rId2"/>
@@ -23,16 +23,18 @@
     <p:sldId id="346" r:id="rId14"/>
     <p:sldId id="324" r:id="rId15"/>
     <p:sldId id="338" r:id="rId16"/>
-    <p:sldId id="326" r:id="rId17"/>
-    <p:sldId id="332" r:id="rId18"/>
-    <p:sldId id="347" r:id="rId19"/>
-    <p:sldId id="348" r:id="rId20"/>
-    <p:sldId id="333" r:id="rId21"/>
-    <p:sldId id="339" r:id="rId22"/>
-    <p:sldId id="334" r:id="rId23"/>
-    <p:sldId id="335" r:id="rId24"/>
-    <p:sldId id="262" r:id="rId25"/>
-    <p:sldId id="305" r:id="rId26"/>
+    <p:sldId id="350" r:id="rId17"/>
+    <p:sldId id="326" r:id="rId18"/>
+    <p:sldId id="332" r:id="rId19"/>
+    <p:sldId id="347" r:id="rId20"/>
+    <p:sldId id="348" r:id="rId21"/>
+    <p:sldId id="333" r:id="rId22"/>
+    <p:sldId id="339" r:id="rId23"/>
+    <p:sldId id="334" r:id="rId24"/>
+    <p:sldId id="351" r:id="rId25"/>
+    <p:sldId id="335" r:id="rId26"/>
+    <p:sldId id="262" r:id="rId27"/>
+    <p:sldId id="305" r:id="rId28"/>
   </p:sldIdLst>
   <p:sldSz cx="9144000" cy="6858000" type="screen4x3"/>
   <p:notesSz cx="6858000" cy="9144000"/>
@@ -191,7 +193,6 @@
           </a:p>
         </c:rich>
       </c:tx>
-      <c:layout/>
       <c:overlay val="0"/>
       <c:spPr>
         <a:noFill/>
@@ -292,7 +293,6 @@
             <c:showLeaderLines val="0"/>
             <c:extLst>
               <c:ext xmlns:c15="http://schemas.microsoft.com/office/drawing/2012/chart" uri="{CE6537A1-D6FC-4f65-9D91-7224C49458BB}">
-                <c15:layout/>
                 <c15:showLeaderLines val="1"/>
                 <c15:leaderLines>
                   <c:spPr>
@@ -399,7 +399,6 @@
             <c:showLeaderLines val="0"/>
             <c:extLst>
               <c:ext xmlns:c15="http://schemas.microsoft.com/office/drawing/2012/chart" uri="{CE6537A1-D6FC-4f65-9D91-7224C49458BB}">
-                <c15:layout/>
                 <c15:showLeaderLines val="1"/>
                 <c15:leaderLines>
                   <c:spPr>
@@ -506,7 +505,6 @@
             <c:showLeaderLines val="0"/>
             <c:extLst>
               <c:ext xmlns:c15="http://schemas.microsoft.com/office/drawing/2012/chart" uri="{CE6537A1-D6FC-4f65-9D91-7224C49458BB}">
-                <c15:layout/>
                 <c15:showLeaderLines val="1"/>
                 <c15:leaderLines>
                   <c:spPr>
@@ -613,7 +611,6 @@
             <c:showLeaderLines val="0"/>
             <c:extLst>
               <c:ext xmlns:c15="http://schemas.microsoft.com/office/drawing/2012/chart" uri="{CE6537A1-D6FC-4f65-9D91-7224C49458BB}">
-                <c15:layout/>
                 <c15:showLeaderLines val="1"/>
                 <c15:leaderLines>
                   <c:spPr>
@@ -720,7 +717,6 @@
             <c:showLeaderLines val="0"/>
             <c:extLst>
               <c:ext xmlns:c15="http://schemas.microsoft.com/office/drawing/2012/chart" uri="{CE6537A1-D6FC-4f65-9D91-7224C49458BB}">
-                <c15:layout/>
                 <c15:showLeaderLines val="1"/>
                 <c15:leaderLines>
                   <c:spPr>
@@ -827,7 +823,6 @@
             <c:showLeaderLines val="0"/>
             <c:extLst>
               <c:ext xmlns:c15="http://schemas.microsoft.com/office/drawing/2012/chart" uri="{CE6537A1-D6FC-4f65-9D91-7224C49458BB}">
-                <c15:layout/>
                 <c15:showLeaderLines val="1"/>
                 <c15:leaderLines>
                   <c:spPr>
@@ -881,11 +876,11 @@
         </c:dLbls>
         <c:gapWidth val="219"/>
         <c:overlap val="-27"/>
-        <c:axId val="573389328"/>
-        <c:axId val="573384976"/>
+        <c:axId val="489025024"/>
+        <c:axId val="489028832"/>
       </c:barChart>
       <c:catAx>
-        <c:axId val="573389328"/>
+        <c:axId val="489025024"/>
         <c:scaling>
           <c:orientation val="minMax"/>
         </c:scaling>
@@ -928,7 +923,7 @@
             <a:endParaRPr lang="es-MX"/>
           </a:p>
         </c:txPr>
-        <c:crossAx val="573384976"/>
+        <c:crossAx val="489028832"/>
         <c:crosses val="autoZero"/>
         <c:auto val="1"/>
         <c:lblAlgn val="ctr"/>
@@ -936,7 +931,7 @@
         <c:noMultiLvlLbl val="0"/>
       </c:catAx>
       <c:valAx>
-        <c:axId val="573384976"/>
+        <c:axId val="489028832"/>
         <c:scaling>
           <c:orientation val="minMax"/>
         </c:scaling>
@@ -987,7 +982,7 @@
             <a:endParaRPr lang="es-MX"/>
           </a:p>
         </c:txPr>
-        <c:crossAx val="573389328"/>
+        <c:crossAx val="489025024"/>
         <c:crosses val="autoZero"/>
         <c:crossBetween val="between"/>
       </c:valAx>
@@ -1001,7 +996,6 @@
     </c:plotArea>
     <c:legend>
       <c:legendPos val="r"/>
-      <c:layout/>
       <c:overlay val="0"/>
       <c:spPr>
         <a:noFill/>
@@ -1103,7 +1097,6 @@
           </a:p>
         </c:rich>
       </c:tx>
-      <c:layout/>
       <c:overlay val="0"/>
       <c:spPr>
         <a:noFill/>
@@ -1204,7 +1197,6 @@
             <c:showLeaderLines val="0"/>
             <c:extLst>
               <c:ext xmlns:c15="http://schemas.microsoft.com/office/drawing/2012/chart" uri="{CE6537A1-D6FC-4f65-9D91-7224C49458BB}">
-                <c15:layout/>
                 <c15:showLeaderLines val="1"/>
                 <c15:leaderLines>
                   <c:spPr>
@@ -1309,7 +1301,6 @@
             <c:showLeaderLines val="0"/>
             <c:extLst>
               <c:ext xmlns:c15="http://schemas.microsoft.com/office/drawing/2012/chart" uri="{CE6537A1-D6FC-4f65-9D91-7224C49458BB}">
-                <c15:layout/>
                 <c15:showLeaderLines val="1"/>
                 <c15:leaderLines>
                   <c:spPr>
@@ -1414,7 +1405,6 @@
             <c:showLeaderLines val="0"/>
             <c:extLst>
               <c:ext xmlns:c15="http://schemas.microsoft.com/office/drawing/2012/chart" uri="{CE6537A1-D6FC-4f65-9D91-7224C49458BB}">
-                <c15:layout/>
                 <c15:showLeaderLines val="1"/>
                 <c15:leaderLines>
                   <c:spPr>
@@ -1519,7 +1509,6 @@
             <c:showLeaderLines val="0"/>
             <c:extLst>
               <c:ext xmlns:c15="http://schemas.microsoft.com/office/drawing/2012/chart" uri="{CE6537A1-D6FC-4f65-9D91-7224C49458BB}">
-                <c15:layout/>
                 <c15:showLeaderLines val="1"/>
                 <c15:leaderLines>
                   <c:spPr>
@@ -1624,7 +1613,6 @@
             <c:showLeaderLines val="0"/>
             <c:extLst>
               <c:ext xmlns:c15="http://schemas.microsoft.com/office/drawing/2012/chart" uri="{CE6537A1-D6FC-4f65-9D91-7224C49458BB}">
-                <c15:layout/>
                 <c15:showLeaderLines val="1"/>
                 <c15:leaderLines>
                   <c:spPr>
@@ -1729,7 +1717,6 @@
             <c:showLeaderLines val="0"/>
             <c:extLst>
               <c:ext xmlns:c15="http://schemas.microsoft.com/office/drawing/2012/chart" uri="{CE6537A1-D6FC-4f65-9D91-7224C49458BB}">
-                <c15:layout/>
                 <c15:showLeaderLines val="1"/>
                 <c15:leaderLines>
                   <c:spPr>
@@ -1781,11 +1768,11 @@
         </c:dLbls>
         <c:gapWidth val="219"/>
         <c:overlap val="-27"/>
-        <c:axId val="573382800"/>
-        <c:axId val="573387152"/>
+        <c:axId val="489019040"/>
+        <c:axId val="489026112"/>
       </c:barChart>
       <c:catAx>
-        <c:axId val="573382800"/>
+        <c:axId val="489019040"/>
         <c:scaling>
           <c:orientation val="minMax"/>
         </c:scaling>
@@ -1828,7 +1815,7 @@
             <a:endParaRPr lang="es-MX"/>
           </a:p>
         </c:txPr>
-        <c:crossAx val="573387152"/>
+        <c:crossAx val="489026112"/>
         <c:crosses val="autoZero"/>
         <c:auto val="1"/>
         <c:lblAlgn val="ctr"/>
@@ -1836,7 +1823,7 @@
         <c:noMultiLvlLbl val="0"/>
       </c:catAx>
       <c:valAx>
-        <c:axId val="573387152"/>
+        <c:axId val="489026112"/>
         <c:scaling>
           <c:orientation val="minMax"/>
         </c:scaling>
@@ -1887,7 +1874,7 @@
             <a:endParaRPr lang="es-MX"/>
           </a:p>
         </c:txPr>
-        <c:crossAx val="573382800"/>
+        <c:crossAx val="489019040"/>
         <c:crosses val="autoZero"/>
         <c:crossBetween val="between"/>
       </c:valAx>
@@ -1901,7 +1888,6 @@
     </c:plotArea>
     <c:legend>
       <c:legendPos val="r"/>
-      <c:layout/>
       <c:overlay val="0"/>
       <c:spPr>
         <a:noFill/>
@@ -1999,7 +1985,6 @@
           </a:p>
         </c:rich>
       </c:tx>
-      <c:layout/>
       <c:overlay val="0"/>
       <c:spPr>
         <a:noFill/>
@@ -2100,7 +2085,6 @@
             <c:showLeaderLines val="0"/>
             <c:extLst>
               <c:ext xmlns:c15="http://schemas.microsoft.com/office/drawing/2012/chart" uri="{CE6537A1-D6FC-4f65-9D91-7224C49458BB}">
-                <c15:layout/>
                 <c15:showLeaderLines val="1"/>
                 <c15:leaderLines>
                   <c:spPr>
@@ -2205,7 +2189,6 @@
             <c:showLeaderLines val="0"/>
             <c:extLst>
               <c:ext xmlns:c15="http://schemas.microsoft.com/office/drawing/2012/chart" uri="{CE6537A1-D6FC-4f65-9D91-7224C49458BB}">
-                <c15:layout/>
                 <c15:showLeaderLines val="1"/>
                 <c15:leaderLines>
                   <c:spPr>
@@ -2310,7 +2293,6 @@
             <c:showLeaderLines val="0"/>
             <c:extLst>
               <c:ext xmlns:c15="http://schemas.microsoft.com/office/drawing/2012/chart" uri="{CE6537A1-D6FC-4f65-9D91-7224C49458BB}">
-                <c15:layout/>
                 <c15:showLeaderLines val="1"/>
                 <c15:leaderLines>
                   <c:spPr>
@@ -2415,7 +2397,6 @@
             <c:showLeaderLines val="0"/>
             <c:extLst>
               <c:ext xmlns:c15="http://schemas.microsoft.com/office/drawing/2012/chart" uri="{CE6537A1-D6FC-4f65-9D91-7224C49458BB}">
-                <c15:layout/>
                 <c15:showLeaderLines val="1"/>
                 <c15:leaderLines>
                   <c:spPr>
@@ -2520,7 +2501,6 @@
             <c:showLeaderLines val="0"/>
             <c:extLst>
               <c:ext xmlns:c15="http://schemas.microsoft.com/office/drawing/2012/chart" uri="{CE6537A1-D6FC-4f65-9D91-7224C49458BB}">
-                <c15:layout/>
                 <c15:showLeaderLines val="1"/>
                 <c15:leaderLines>
                   <c:spPr>
@@ -2625,7 +2605,6 @@
             <c:showLeaderLines val="0"/>
             <c:extLst>
               <c:ext xmlns:c15="http://schemas.microsoft.com/office/drawing/2012/chart" uri="{CE6537A1-D6FC-4f65-9D91-7224C49458BB}">
-                <c15:layout/>
                 <c15:showLeaderLines val="1"/>
                 <c15:leaderLines>
                   <c:spPr>
@@ -2677,11 +2656,11 @@
         </c:dLbls>
         <c:gapWidth val="219"/>
         <c:overlap val="-27"/>
-        <c:axId val="423810608"/>
-        <c:axId val="423807888"/>
+        <c:axId val="489022848"/>
+        <c:axId val="489027744"/>
       </c:barChart>
       <c:catAx>
-        <c:axId val="423810608"/>
+        <c:axId val="489022848"/>
         <c:scaling>
           <c:orientation val="minMax"/>
         </c:scaling>
@@ -2724,7 +2703,7 @@
             <a:endParaRPr lang="es-MX"/>
           </a:p>
         </c:txPr>
-        <c:crossAx val="423807888"/>
+        <c:crossAx val="489027744"/>
         <c:crosses val="autoZero"/>
         <c:auto val="1"/>
         <c:lblAlgn val="ctr"/>
@@ -2732,7 +2711,7 @@
         <c:noMultiLvlLbl val="0"/>
       </c:catAx>
       <c:valAx>
-        <c:axId val="423807888"/>
+        <c:axId val="489027744"/>
         <c:scaling>
           <c:orientation val="minMax"/>
         </c:scaling>
@@ -2783,7 +2762,7 @@
             <a:endParaRPr lang="es-MX"/>
           </a:p>
         </c:txPr>
-        <c:crossAx val="423810608"/>
+        <c:crossAx val="489022848"/>
         <c:crosses val="autoZero"/>
         <c:crossBetween val="between"/>
       </c:valAx>
@@ -2797,7 +2776,6 @@
     </c:plotArea>
     <c:legend>
       <c:legendPos val="r"/>
-      <c:layout/>
       <c:overlay val="0"/>
       <c:spPr>
         <a:noFill/>
@@ -4565,7 +4543,7 @@
           <a:p>
             <a:fld id="{D67C7E47-7BA5-4BDE-825F-99105A54A119}" type="datetimeFigureOut">
               <a:rPr lang="es-MX" smtClean="0"/>
-              <a:t>31/05/2018</a:t>
+              <a:t>01/06/2018</a:t>
             </a:fld>
             <a:endParaRPr lang="es-MX"/>
           </a:p>
@@ -5783,7 +5761,7 @@
           <a:p>
             <a:fld id="{DB6A1C79-E0AD-438C-8317-192DDF6BEEF8}" type="datetime1">
               <a:rPr lang="es-MX" smtClean="0"/>
-              <a:t>31/05/2018</a:t>
+              <a:t>01/06/2018</a:t>
             </a:fld>
             <a:endParaRPr lang="es-MX"/>
           </a:p>
@@ -5960,7 +5938,7 @@
           <a:p>
             <a:fld id="{A6F41232-B388-4B1D-9D96-79B8AB22DD6C}" type="datetime1">
               <a:rPr lang="es-MX" smtClean="0"/>
-              <a:t>31/05/2018</a:t>
+              <a:t>01/06/2018</a:t>
             </a:fld>
             <a:endParaRPr lang="es-MX"/>
           </a:p>
@@ -6147,7 +6125,7 @@
           <a:p>
             <a:fld id="{F498D39E-5B4F-44B4-894E-7EC7DAF44F75}" type="datetime1">
               <a:rPr lang="es-MX" smtClean="0"/>
-              <a:t>31/05/2018</a:t>
+              <a:t>01/06/2018</a:t>
             </a:fld>
             <a:endParaRPr lang="es-MX"/>
           </a:p>
@@ -6324,7 +6302,7 @@
           <a:p>
             <a:fld id="{146D3477-E135-4A50-8987-24D5BB66A865}" type="datetime1">
               <a:rPr lang="es-MX" smtClean="0"/>
-              <a:t>31/05/2018</a:t>
+              <a:t>01/06/2018</a:t>
             </a:fld>
             <a:endParaRPr lang="es-MX"/>
           </a:p>
@@ -6577,7 +6555,7 @@
           <a:p>
             <a:fld id="{DD8BE1A1-D10E-4B6D-B01E-5D00A19565DF}" type="datetime1">
               <a:rPr lang="es-MX" smtClean="0"/>
-              <a:t>31/05/2018</a:t>
+              <a:t>01/06/2018</a:t>
             </a:fld>
             <a:endParaRPr lang="es-MX"/>
           </a:p>
@@ -6872,7 +6850,7 @@
           <a:p>
             <a:fld id="{0F97141C-ED8C-4BC4-8C35-EE1AB9F96CAE}" type="datetime1">
               <a:rPr lang="es-MX" smtClean="0"/>
-              <a:t>31/05/2018</a:t>
+              <a:t>01/06/2018</a:t>
             </a:fld>
             <a:endParaRPr lang="es-MX"/>
           </a:p>
@@ -7313,7 +7291,7 @@
           <a:p>
             <a:fld id="{C8784B24-4431-4E36-AF02-228F900AB1E3}" type="datetime1">
               <a:rPr lang="es-MX" smtClean="0"/>
-              <a:t>31/05/2018</a:t>
+              <a:t>01/06/2018</a:t>
             </a:fld>
             <a:endParaRPr lang="es-MX"/>
           </a:p>
@@ -7438,7 +7416,7 @@
           <a:p>
             <a:fld id="{7989263F-9078-4D26-BA85-94E3B1F2B6E8}" type="datetime1">
               <a:rPr lang="es-MX" smtClean="0"/>
-              <a:t>31/05/2018</a:t>
+              <a:t>01/06/2018</a:t>
             </a:fld>
             <a:endParaRPr lang="es-MX"/>
           </a:p>
@@ -7540,7 +7518,7 @@
           <a:p>
             <a:fld id="{2D62667E-AAAF-4B18-AE6C-30FE17001A58}" type="datetime1">
               <a:rPr lang="es-MX" smtClean="0"/>
-              <a:t>31/05/2018</a:t>
+              <a:t>01/06/2018</a:t>
             </a:fld>
             <a:endParaRPr lang="es-MX"/>
           </a:p>
@@ -7741,7 +7719,7 @@
           <a:p>
             <a:fld id="{26CF72CF-C824-452B-AA7F-ED7FBB9B4D84}" type="datetime1">
               <a:rPr lang="es-MX" smtClean="0"/>
-              <a:t>31/05/2018</a:t>
+              <a:t>01/06/2018</a:t>
             </a:fld>
             <a:endParaRPr lang="es-MX"/>
           </a:p>
@@ -8071,7 +8049,7 @@
           <a:p>
             <a:fld id="{FF77F286-C291-46E2-A3AC-CFFD446B5617}" type="datetime1">
               <a:rPr lang="es-MX" smtClean="0"/>
-              <a:t>31/05/2018</a:t>
+              <a:t>01/06/2018</a:t>
             </a:fld>
             <a:endParaRPr lang="es-MX"/>
           </a:p>
@@ -8462,7 +8440,7 @@
           <a:p>
             <a:fld id="{10B77E79-FABC-4EBB-A9E7-9BD2BAE7684F}" type="datetime1">
               <a:rPr lang="es-MX" smtClean="0"/>
-              <a:t>31/05/2018</a:t>
+              <a:t>01/06/2018</a:t>
             </a:fld>
             <a:endParaRPr lang="es-MX"/>
           </a:p>
@@ -9138,14 +9116,7 @@
                 <a:effectLst/>
                 <a:latin typeface="LM Roman 10" pitchFamily="50" charset="0"/>
               </a:rPr>
-              <a:t>3</a:t>
-            </a:r>
-            <a:r>
-              <a:rPr lang="es-MX" sz="2800" dirty="0" smtClean="0">
-                <a:effectLst/>
-                <a:latin typeface="LM Roman 10" pitchFamily="50" charset="0"/>
-              </a:rPr>
-              <a:t>.3 Requisitos</a:t>
+              <a:t>3.3 Requisitos</a:t>
             </a:r>
             <a:endParaRPr lang="es-MX" sz="2800" dirty="0">
               <a:effectLst/>
@@ -10535,13 +10506,7 @@
               <a:rPr lang="es-MX" sz="1600" dirty="0" smtClean="0">
                 <a:latin typeface="LM Roman 10" pitchFamily="50" charset="0"/>
               </a:rPr>
-              <a:t>3.6. </a:t>
-            </a:r>
-            <a:r>
-              <a:rPr lang="es-MX" sz="1600" dirty="0" smtClean="0">
-                <a:latin typeface="LM Roman 10" pitchFamily="50" charset="0"/>
-              </a:rPr>
-              <a:t>Red neuronal unidireccional.</a:t>
+              <a:t>3.6. Red neuronal unidireccional.</a:t>
             </a:r>
             <a:endParaRPr lang="es-MX" sz="1600" dirty="0">
               <a:latin typeface="LM Roman 10" pitchFamily="50" charset="0"/>
@@ -10616,14 +10581,7 @@
                 <a:effectLst/>
                 <a:latin typeface="LM Roman 10" pitchFamily="50" charset="0"/>
               </a:rPr>
-              <a:t>3.4 </a:t>
-            </a:r>
-            <a:r>
-              <a:rPr lang="es-MX" sz="2800" dirty="0" smtClean="0">
-                <a:effectLst/>
-                <a:latin typeface="LM Roman 10" pitchFamily="50" charset="0"/>
-              </a:rPr>
-              <a:t>Algoritmo para la clasificación de enfermedades</a:t>
+              <a:t>3.4 Algoritmo para la clasificación de enfermedades</a:t>
             </a:r>
             <a:endParaRPr lang="es-MX" sz="2800" dirty="0">
               <a:effectLst/>
@@ -10888,13 +10846,7 @@
               <a:rPr lang="es-MX" sz="1600" dirty="0" smtClean="0">
                 <a:latin typeface="LM Roman 10" pitchFamily="50" charset="0"/>
               </a:rPr>
-              <a:t>3.7</a:t>
-            </a:r>
-            <a:r>
-              <a:rPr lang="es-MX" sz="1600" dirty="0" smtClean="0">
-                <a:latin typeface="LM Roman 10" pitchFamily="50" charset="0"/>
-              </a:rPr>
-              <a:t>. </a:t>
+              <a:t>3.7. </a:t>
             </a:r>
             <a:r>
               <a:rPr lang="es-MX" sz="1600" dirty="0">
@@ -11017,14 +10969,7 @@
                 <a:effectLst/>
                 <a:latin typeface="LM Roman 10" pitchFamily="50" charset="0"/>
               </a:rPr>
-              <a:t>3</a:t>
-            </a:r>
-            <a:r>
-              <a:rPr lang="es-MX" sz="2800" dirty="0" smtClean="0">
-                <a:effectLst/>
-                <a:latin typeface="LM Roman 10" pitchFamily="50" charset="0"/>
-              </a:rPr>
-              <a:t>.5 Sistema Web</a:t>
+              <a:t>3.5 Sistema Web</a:t>
             </a:r>
             <a:endParaRPr lang="es-MX" sz="2800" dirty="0">
               <a:effectLst/>
@@ -11220,13 +11165,7 @@
               <a:rPr lang="es-MX" sz="1600" dirty="0" smtClean="0">
                 <a:latin typeface="LM Roman 10" pitchFamily="50" charset="0"/>
               </a:rPr>
-              <a:t>3.8</a:t>
-            </a:r>
-            <a:r>
-              <a:rPr lang="es-MX" sz="1600" dirty="0" smtClean="0">
-                <a:latin typeface="LM Roman 10" pitchFamily="50" charset="0"/>
-              </a:rPr>
-              <a:t>. </a:t>
+              <a:t>3.8. </a:t>
             </a:r>
             <a:r>
               <a:rPr lang="es-MX" sz="1600" dirty="0">
@@ -11237,41 +11176,6 @@
           </a:p>
         </p:txBody>
       </p:sp>
-      <p:pic>
-        <p:nvPicPr>
-          <p:cNvPr id="8" name="Imagen 45"/>
-          <p:cNvPicPr/>
-          <p:nvPr/>
-        </p:nvPicPr>
-        <p:blipFill>
-          <a:blip r:embed="rId2">
-            <a:extLst>
-              <a:ext uri="{28A0092B-C50C-407E-A947-70E740481C1C}">
-                <a14:useLocalDpi xmlns:a14="http://schemas.microsoft.com/office/drawing/2010/main" val="0"/>
-              </a:ext>
-            </a:extLst>
-          </a:blip>
-          <a:srcRect/>
-          <a:stretch>
-            <a:fillRect/>
-          </a:stretch>
-        </p:blipFill>
-        <p:spPr bwMode="auto">
-          <a:xfrm>
-            <a:off x="1045672" y="1870661"/>
-            <a:ext cx="6991096" cy="4032448"/>
-          </a:xfrm>
-          <a:prstGeom prst="rect">
-            <a:avLst/>
-          </a:prstGeom>
-          <a:noFill/>
-          <a:ln>
-            <a:solidFill>
-              <a:schemeClr val="accent1"/>
-            </a:solidFill>
-          </a:ln>
-        </p:spPr>
-      </p:pic>
       <p:sp>
         <p:nvSpPr>
           <p:cNvPr id="9" name="1 Título"/>
@@ -11339,14 +11243,7 @@
                 <a:effectLst/>
                 <a:latin typeface="LM Roman 10" pitchFamily="50" charset="0"/>
               </a:rPr>
-              <a:t>3</a:t>
-            </a:r>
-            <a:r>
-              <a:rPr lang="es-MX" sz="2800" dirty="0" smtClean="0">
-                <a:effectLst/>
-                <a:latin typeface="LM Roman 10" pitchFamily="50" charset="0"/>
-              </a:rPr>
-              <a:t>.5 Sistema Web</a:t>
+              <a:t>3.5 Sistema Web</a:t>
             </a:r>
             <a:endParaRPr lang="es-MX" sz="2800" dirty="0">
               <a:effectLst/>
@@ -11438,6 +11335,36 @@
           </a:p>
         </p:txBody>
       </p:sp>
+      <p:pic>
+        <p:nvPicPr>
+          <p:cNvPr id="3" name="Picture 2"/>
+          <p:cNvPicPr>
+            <a:picLocks noChangeAspect="1"/>
+          </p:cNvPicPr>
+          <p:nvPr/>
+        </p:nvPicPr>
+        <p:blipFill>
+          <a:blip r:embed="rId2">
+            <a:extLst>
+              <a:ext uri="{28A0092B-C50C-407E-A947-70E740481C1C}">
+                <a14:useLocalDpi xmlns:a14="http://schemas.microsoft.com/office/drawing/2010/main" val="0"/>
+              </a:ext>
+            </a:extLst>
+          </a:blip>
+          <a:stretch>
+            <a:fillRect/>
+          </a:stretch>
+        </p:blipFill>
+        <p:spPr>
+          <a:xfrm>
+            <a:off x="909711" y="1795016"/>
+            <a:ext cx="7421667" cy="4413579"/>
+          </a:xfrm>
+          <a:prstGeom prst="rect">
+            <a:avLst/>
+          </a:prstGeom>
+        </p:spPr>
+      </p:pic>
     </p:spTree>
     <p:extLst>
       <p:ext uri="{BB962C8B-B14F-4D97-AF65-F5344CB8AC3E}">
@@ -12266,6 +12193,2126 @@
       </p:grpSpPr>
       <p:sp>
         <p:nvSpPr>
+          <p:cNvPr id="2" name="Marcador de número de diapositiva 1"/>
+          <p:cNvSpPr>
+            <a:spLocks noGrp="1"/>
+          </p:cNvSpPr>
+          <p:nvPr>
+            <p:ph type="sldNum" sz="quarter" idx="12"/>
+          </p:nvPr>
+        </p:nvSpPr>
+        <p:spPr/>
+        <p:txBody>
+          <a:bodyPr/>
+          <a:lstStyle/>
+          <a:p>
+            <a:fld id="{584960AB-56A8-4290-9210-164452CD4D77}" type="slidenum">
+              <a:rPr lang="es-MX" smtClean="0"/>
+              <a:t>16</a:t>
+            </a:fld>
+            <a:endParaRPr lang="es-MX"/>
+          </a:p>
+        </p:txBody>
+      </p:sp>
+      <p:sp>
+        <p:nvSpPr>
+          <p:cNvPr id="5" name="1 Título"/>
+          <p:cNvSpPr txBox="1">
+            <a:spLocks/>
+          </p:cNvSpPr>
+          <p:nvPr/>
+        </p:nvSpPr>
+        <p:spPr>
+          <a:xfrm>
+            <a:off x="322022" y="1111632"/>
+            <a:ext cx="6991087" cy="610488"/>
+          </a:xfrm>
+          <a:prstGeom prst="rect">
+            <a:avLst/>
+          </a:prstGeom>
+        </p:spPr>
+        <p:txBody>
+          <a:bodyPr rIns="91440" anchor="b">
+            <a:normAutofit/>
+            <a:scene3d>
+              <a:camera prst="orthographicFront"/>
+              <a:lightRig rig="soft" dir="t">
+                <a:rot lat="0" lon="0" rev="2400000"/>
+              </a:lightRig>
+            </a:scene3d>
+            <a:sp3d>
+              <a:bevelT w="19050" h="12700"/>
+            </a:sp3d>
+          </a:bodyPr>
+          <a:lstStyle>
+            <a:lvl1pPr marL="54864" algn="r" rtl="0" eaLnBrk="1" latinLnBrk="0" hangingPunct="1">
+              <a:spcBef>
+                <a:spcPct val="0"/>
+              </a:spcBef>
+              <a:buNone/>
+              <a:defRPr kumimoji="0" sz="4600" kern="1200">
+                <a:solidFill>
+                  <a:schemeClr val="tx2">
+                    <a:tint val="100000"/>
+                    <a:shade val="90000"/>
+                    <a:satMod val="250000"/>
+                    <a:alpha val="100000"/>
+                  </a:schemeClr>
+                </a:solidFill>
+                <a:effectLst>
+                  <a:outerShdw blurRad="38100" dist="25500" dir="5400000" algn="tl" rotWithShape="0">
+                    <a:srgbClr val="000000">
+                      <a:satMod val="180000"/>
+                      <a:alpha val="75000"/>
+                    </a:srgbClr>
+                  </a:outerShdw>
+                </a:effectLst>
+                <a:latin typeface="+mj-lt"/>
+                <a:ea typeface="+mj-ea"/>
+                <a:cs typeface="+mj-cs"/>
+              </a:defRPr>
+            </a:lvl1pPr>
+            <a:extLst/>
+          </a:lstStyle>
+          <a:p>
+            <a:pPr algn="just"/>
+            <a:r>
+              <a:rPr lang="es-MX" sz="2800" dirty="0" smtClean="0">
+                <a:effectLst/>
+                <a:latin typeface="LM Roman 10" pitchFamily="50" charset="0"/>
+              </a:rPr>
+              <a:t>4.2 Entrenamiento del clasificador</a:t>
+            </a:r>
+            <a:endParaRPr lang="es-MX" sz="2800" dirty="0">
+              <a:effectLst/>
+              <a:latin typeface="LM Roman 10" pitchFamily="50" charset="0"/>
+            </a:endParaRPr>
+          </a:p>
+        </p:txBody>
+      </p:sp>
+      <p:sp>
+        <p:nvSpPr>
+          <p:cNvPr id="6" name="1 Título"/>
+          <p:cNvSpPr txBox="1">
+            <a:spLocks/>
+          </p:cNvSpPr>
+          <p:nvPr/>
+        </p:nvSpPr>
+        <p:spPr>
+          <a:xfrm>
+            <a:off x="322022" y="0"/>
+            <a:ext cx="8200530" cy="1143000"/>
+          </a:xfrm>
+          <a:prstGeom prst="rect">
+            <a:avLst/>
+          </a:prstGeom>
+        </p:spPr>
+        <p:txBody>
+          <a:bodyPr rIns="91440" anchor="b">
+            <a:normAutofit fontScale="92500"/>
+            <a:scene3d>
+              <a:camera prst="orthographicFront"/>
+              <a:lightRig rig="soft" dir="t">
+                <a:rot lat="0" lon="0" rev="2400000"/>
+              </a:lightRig>
+            </a:scene3d>
+            <a:sp3d>
+              <a:bevelT w="19050" h="12700"/>
+            </a:sp3d>
+          </a:bodyPr>
+          <a:lstStyle>
+            <a:lvl1pPr marL="54864" algn="r" rtl="0" eaLnBrk="1" latinLnBrk="0" hangingPunct="1">
+              <a:spcBef>
+                <a:spcPct val="0"/>
+              </a:spcBef>
+              <a:buNone/>
+              <a:defRPr kumimoji="0" sz="4600" kern="1200">
+                <a:solidFill>
+                  <a:schemeClr val="tx2">
+                    <a:tint val="100000"/>
+                    <a:shade val="90000"/>
+                    <a:satMod val="250000"/>
+                    <a:alpha val="100000"/>
+                  </a:schemeClr>
+                </a:solidFill>
+                <a:effectLst>
+                  <a:outerShdw blurRad="38100" dist="25500" dir="5400000" algn="tl" rotWithShape="0">
+                    <a:srgbClr val="000000">
+                      <a:satMod val="180000"/>
+                      <a:alpha val="75000"/>
+                    </a:srgbClr>
+                  </a:outerShdw>
+                </a:effectLst>
+                <a:latin typeface="+mj-lt"/>
+                <a:ea typeface="+mj-ea"/>
+                <a:cs typeface="+mj-cs"/>
+              </a:defRPr>
+            </a:lvl1pPr>
+            <a:extLst/>
+          </a:lstStyle>
+          <a:p>
+            <a:pPr algn="just"/>
+            <a:r>
+              <a:rPr lang="es-MX" dirty="0">
+                <a:effectLst/>
+                <a:latin typeface="LM Roman 10" pitchFamily="50" charset="0"/>
+              </a:rPr>
+              <a:t>4. </a:t>
+            </a:r>
+            <a:r>
+              <a:rPr lang="es-MX" dirty="0" smtClean="0">
+                <a:effectLst/>
+                <a:latin typeface="LM Roman 10" pitchFamily="50" charset="0"/>
+              </a:rPr>
+              <a:t>Clasificación de enfermedades.</a:t>
+            </a:r>
+            <a:endParaRPr lang="es-MX" dirty="0">
+              <a:effectLst/>
+              <a:latin typeface="LM Roman 10" pitchFamily="50" charset="0"/>
+            </a:endParaRPr>
+          </a:p>
+        </p:txBody>
+      </p:sp>
+      <p:graphicFrame>
+        <p:nvGraphicFramePr>
+          <p:cNvPr id="3" name="Table 2"/>
+          <p:cNvGraphicFramePr>
+            <a:graphicFrameLocks noGrp="1"/>
+          </p:cNvGraphicFramePr>
+          <p:nvPr>
+            <p:extLst>
+              <p:ext uri="{D42A27DB-BD31-4B8C-83A1-F6EECF244321}">
+                <p14:modId xmlns:p14="http://schemas.microsoft.com/office/powerpoint/2010/main" val="1367950164"/>
+              </p:ext>
+            </p:extLst>
+          </p:nvPr>
+        </p:nvGraphicFramePr>
+        <p:xfrm>
+          <a:off x="310837" y="2336800"/>
+          <a:ext cx="5557310" cy="4226560"/>
+        </p:xfrm>
+        <a:graphic>
+          <a:graphicData uri="http://schemas.openxmlformats.org/drawingml/2006/table">
+            <a:tbl>
+              <a:tblPr firstRow="1" bandRow="1">
+                <a:tableStyleId>{69CF1AB2-1976-4502-BF36-3FF5EA218861}</a:tableStyleId>
+              </a:tblPr>
+              <a:tblGrid>
+                <a:gridCol w="505210"/>
+                <a:gridCol w="505210"/>
+                <a:gridCol w="505210"/>
+                <a:gridCol w="505210"/>
+                <a:gridCol w="505210"/>
+                <a:gridCol w="505210"/>
+                <a:gridCol w="505210"/>
+                <a:gridCol w="505210"/>
+                <a:gridCol w="505210"/>
+                <a:gridCol w="505210"/>
+                <a:gridCol w="505210"/>
+              </a:tblGrid>
+              <a:tr h="370840">
+                <a:tc>
+                  <a:txBody>
+                    <a:bodyPr/>
+                    <a:lstStyle/>
+                    <a:p>
+                      <a:endParaRPr lang="es-MX" sz="1800" b="1" dirty="0"/>
+                    </a:p>
+                  </a:txBody>
+                  <a:tcPr/>
+                </a:tc>
+                <a:tc>
+                  <a:txBody>
+                    <a:bodyPr/>
+                    <a:lstStyle/>
+                    <a:p>
+                      <a:r>
+                        <a:rPr lang="es-MX" sz="1600" b="1" dirty="0" smtClean="0"/>
+                        <a:t>0</a:t>
+                      </a:r>
+                      <a:endParaRPr lang="es-MX" sz="1600" b="1" dirty="0"/>
+                    </a:p>
+                  </a:txBody>
+                  <a:tcPr/>
+                </a:tc>
+                <a:tc>
+                  <a:txBody>
+                    <a:bodyPr/>
+                    <a:lstStyle/>
+                    <a:p>
+                      <a:r>
+                        <a:rPr lang="es-MX" sz="1600" b="1" dirty="0" smtClean="0"/>
+                        <a:t>1</a:t>
+                      </a:r>
+                      <a:endParaRPr lang="es-MX" sz="1600" b="1" dirty="0"/>
+                    </a:p>
+                  </a:txBody>
+                  <a:tcPr/>
+                </a:tc>
+                <a:tc>
+                  <a:txBody>
+                    <a:bodyPr/>
+                    <a:lstStyle/>
+                    <a:p>
+                      <a:r>
+                        <a:rPr lang="es-MX" sz="1600" b="1" dirty="0" smtClean="0"/>
+                        <a:t>2</a:t>
+                      </a:r>
+                      <a:endParaRPr lang="es-MX" sz="1600" b="1" dirty="0"/>
+                    </a:p>
+                  </a:txBody>
+                  <a:tcPr/>
+                </a:tc>
+                <a:tc>
+                  <a:txBody>
+                    <a:bodyPr/>
+                    <a:lstStyle/>
+                    <a:p>
+                      <a:r>
+                        <a:rPr lang="es-MX" sz="1600" b="1" dirty="0" smtClean="0"/>
+                        <a:t>3</a:t>
+                      </a:r>
+                      <a:endParaRPr lang="es-MX" sz="1600" b="1" dirty="0"/>
+                    </a:p>
+                  </a:txBody>
+                  <a:tcPr/>
+                </a:tc>
+                <a:tc>
+                  <a:txBody>
+                    <a:bodyPr/>
+                    <a:lstStyle/>
+                    <a:p>
+                      <a:r>
+                        <a:rPr lang="es-MX" sz="1600" b="1" dirty="0" smtClean="0"/>
+                        <a:t>4</a:t>
+                      </a:r>
+                      <a:endParaRPr lang="es-MX" sz="1600" b="1" dirty="0"/>
+                    </a:p>
+                  </a:txBody>
+                  <a:tcPr/>
+                </a:tc>
+                <a:tc>
+                  <a:txBody>
+                    <a:bodyPr/>
+                    <a:lstStyle/>
+                    <a:p>
+                      <a:r>
+                        <a:rPr lang="es-MX" sz="1600" b="1" dirty="0" smtClean="0"/>
+                        <a:t>5</a:t>
+                      </a:r>
+                      <a:endParaRPr lang="es-MX" sz="1600" b="1" dirty="0"/>
+                    </a:p>
+                  </a:txBody>
+                  <a:tcPr/>
+                </a:tc>
+                <a:tc>
+                  <a:txBody>
+                    <a:bodyPr/>
+                    <a:lstStyle/>
+                    <a:p>
+                      <a:r>
+                        <a:rPr lang="es-MX" sz="1600" b="1" dirty="0" smtClean="0"/>
+                        <a:t>6</a:t>
+                      </a:r>
+                      <a:endParaRPr lang="es-MX" sz="1600" b="1" dirty="0"/>
+                    </a:p>
+                  </a:txBody>
+                  <a:tcPr/>
+                </a:tc>
+                <a:tc>
+                  <a:txBody>
+                    <a:bodyPr/>
+                    <a:lstStyle/>
+                    <a:p>
+                      <a:r>
+                        <a:rPr lang="es-MX" sz="1600" b="1" dirty="0" smtClean="0"/>
+                        <a:t>7</a:t>
+                      </a:r>
+                      <a:endParaRPr lang="es-MX" sz="1600" b="1" dirty="0"/>
+                    </a:p>
+                  </a:txBody>
+                  <a:tcPr/>
+                </a:tc>
+                <a:tc>
+                  <a:txBody>
+                    <a:bodyPr/>
+                    <a:lstStyle/>
+                    <a:p>
+                      <a:r>
+                        <a:rPr lang="es-MX" sz="1600" b="1" dirty="0" smtClean="0"/>
+                        <a:t>8</a:t>
+                      </a:r>
+                      <a:endParaRPr lang="es-MX" sz="1600" b="1" dirty="0"/>
+                    </a:p>
+                  </a:txBody>
+                  <a:tcPr/>
+                </a:tc>
+                <a:tc>
+                  <a:txBody>
+                    <a:bodyPr/>
+                    <a:lstStyle/>
+                    <a:p>
+                      <a:r>
+                        <a:rPr lang="es-MX" sz="1600" b="1" dirty="0" smtClean="0"/>
+                        <a:t>9</a:t>
+                      </a:r>
+                      <a:endParaRPr lang="es-MX" sz="1600" b="1" dirty="0"/>
+                    </a:p>
+                  </a:txBody>
+                  <a:tcPr/>
+                </a:tc>
+              </a:tr>
+              <a:tr h="370840">
+                <a:tc>
+                  <a:txBody>
+                    <a:bodyPr/>
+                    <a:lstStyle/>
+                    <a:p>
+                      <a:r>
+                        <a:rPr lang="es-MX" sz="1600" b="1" dirty="0" smtClean="0"/>
+                        <a:t>0</a:t>
+                      </a:r>
+                      <a:endParaRPr lang="es-MX" sz="1600" b="1" dirty="0"/>
+                    </a:p>
+                  </a:txBody>
+                  <a:tcPr/>
+                </a:tc>
+                <a:tc>
+                  <a:txBody>
+                    <a:bodyPr/>
+                    <a:lstStyle/>
+                    <a:p>
+                      <a:r>
+                        <a:rPr lang="es-MX" sz="1400" b="0" dirty="0" smtClean="0"/>
+                        <a:t>336</a:t>
+                      </a:r>
+                      <a:endParaRPr lang="es-MX" sz="1400" b="0" dirty="0"/>
+                    </a:p>
+                  </a:txBody>
+                  <a:tcPr/>
+                </a:tc>
+                <a:tc>
+                  <a:txBody>
+                    <a:bodyPr/>
+                    <a:lstStyle/>
+                    <a:p>
+                      <a:r>
+                        <a:rPr lang="es-MX" sz="1400" b="0" dirty="0" smtClean="0"/>
+                        <a:t>0</a:t>
+                      </a:r>
+                      <a:endParaRPr lang="es-MX" sz="1400" b="0" dirty="0"/>
+                    </a:p>
+                  </a:txBody>
+                  <a:tcPr/>
+                </a:tc>
+                <a:tc>
+                  <a:txBody>
+                    <a:bodyPr/>
+                    <a:lstStyle/>
+                    <a:p>
+                      <a:r>
+                        <a:rPr lang="es-MX" sz="1400" b="0" dirty="0" smtClean="0"/>
+                        <a:t>0</a:t>
+                      </a:r>
+                      <a:endParaRPr lang="es-MX" sz="1400" b="0" dirty="0"/>
+                    </a:p>
+                  </a:txBody>
+                  <a:tcPr/>
+                </a:tc>
+                <a:tc>
+                  <a:txBody>
+                    <a:bodyPr/>
+                    <a:lstStyle/>
+                    <a:p>
+                      <a:r>
+                        <a:rPr lang="es-MX" sz="1400" b="0" dirty="0" smtClean="0"/>
+                        <a:t>0</a:t>
+                      </a:r>
+                      <a:endParaRPr lang="es-MX" sz="1400" b="0" dirty="0"/>
+                    </a:p>
+                  </a:txBody>
+                  <a:tcPr/>
+                </a:tc>
+                <a:tc>
+                  <a:txBody>
+                    <a:bodyPr/>
+                    <a:lstStyle/>
+                    <a:p>
+                      <a:r>
+                        <a:rPr lang="es-MX" sz="1400" b="0" dirty="0" smtClean="0"/>
+                        <a:t>0</a:t>
+                      </a:r>
+                      <a:endParaRPr lang="es-MX" sz="1400" b="0" dirty="0"/>
+                    </a:p>
+                  </a:txBody>
+                  <a:tcPr/>
+                </a:tc>
+                <a:tc>
+                  <a:txBody>
+                    <a:bodyPr/>
+                    <a:lstStyle/>
+                    <a:p>
+                      <a:r>
+                        <a:rPr lang="es-MX" sz="1400" b="0" dirty="0" smtClean="0"/>
+                        <a:t>0</a:t>
+                      </a:r>
+                      <a:endParaRPr lang="es-MX" sz="1400" b="0" dirty="0"/>
+                    </a:p>
+                  </a:txBody>
+                  <a:tcPr/>
+                </a:tc>
+                <a:tc>
+                  <a:txBody>
+                    <a:bodyPr/>
+                    <a:lstStyle/>
+                    <a:p>
+                      <a:r>
+                        <a:rPr lang="es-MX" sz="1400" b="0" dirty="0" smtClean="0"/>
+                        <a:t>0</a:t>
+                      </a:r>
+                      <a:endParaRPr lang="es-MX" sz="1400" b="0" dirty="0"/>
+                    </a:p>
+                  </a:txBody>
+                  <a:tcPr/>
+                </a:tc>
+                <a:tc>
+                  <a:txBody>
+                    <a:bodyPr/>
+                    <a:lstStyle/>
+                    <a:p>
+                      <a:r>
+                        <a:rPr lang="es-MX" sz="1400" b="0" dirty="0" smtClean="0"/>
+                        <a:t>0</a:t>
+                      </a:r>
+                      <a:endParaRPr lang="es-MX" sz="1400" b="0" dirty="0"/>
+                    </a:p>
+                  </a:txBody>
+                  <a:tcPr/>
+                </a:tc>
+                <a:tc>
+                  <a:txBody>
+                    <a:bodyPr/>
+                    <a:lstStyle/>
+                    <a:p>
+                      <a:r>
+                        <a:rPr lang="es-MX" sz="1400" b="0" dirty="0" smtClean="0"/>
+                        <a:t>0</a:t>
+                      </a:r>
+                      <a:endParaRPr lang="es-MX" sz="1400" b="0" dirty="0"/>
+                    </a:p>
+                  </a:txBody>
+                  <a:tcPr/>
+                </a:tc>
+                <a:tc>
+                  <a:txBody>
+                    <a:bodyPr/>
+                    <a:lstStyle/>
+                    <a:p>
+                      <a:r>
+                        <a:rPr lang="es-MX" sz="1400" b="0" dirty="0" smtClean="0"/>
+                        <a:t>0</a:t>
+                      </a:r>
+                      <a:endParaRPr lang="es-MX" sz="1400" b="0" dirty="0"/>
+                    </a:p>
+                  </a:txBody>
+                  <a:tcPr/>
+                </a:tc>
+              </a:tr>
+              <a:tr h="370840">
+                <a:tc>
+                  <a:txBody>
+                    <a:bodyPr/>
+                    <a:lstStyle/>
+                    <a:p>
+                      <a:r>
+                        <a:rPr lang="es-MX" sz="1600" b="1" dirty="0" smtClean="0"/>
+                        <a:t>1</a:t>
+                      </a:r>
+                      <a:endParaRPr lang="es-MX" sz="1600" b="1" dirty="0"/>
+                    </a:p>
+                  </a:txBody>
+                  <a:tcPr/>
+                </a:tc>
+                <a:tc>
+                  <a:txBody>
+                    <a:bodyPr/>
+                    <a:lstStyle/>
+                    <a:p>
+                      <a:r>
+                        <a:rPr lang="es-MX" sz="1400" b="0" dirty="0" smtClean="0"/>
+                        <a:t>1</a:t>
+                      </a:r>
+                      <a:endParaRPr lang="es-MX" sz="1400" b="0" dirty="0"/>
+                    </a:p>
+                  </a:txBody>
+                  <a:tcPr/>
+                </a:tc>
+                <a:tc>
+                  <a:txBody>
+                    <a:bodyPr/>
+                    <a:lstStyle/>
+                    <a:p>
+                      <a:r>
+                        <a:rPr lang="es-MX" sz="1400" b="0" dirty="0" smtClean="0"/>
+                        <a:t>350</a:t>
+                      </a:r>
+                      <a:endParaRPr lang="es-MX" sz="1400" b="0" dirty="0"/>
+                    </a:p>
+                  </a:txBody>
+                  <a:tcPr/>
+                </a:tc>
+                <a:tc>
+                  <a:txBody>
+                    <a:bodyPr/>
+                    <a:lstStyle/>
+                    <a:p>
+                      <a:r>
+                        <a:rPr lang="es-MX" sz="1400" b="0" dirty="0" smtClean="0"/>
+                        <a:t>0</a:t>
+                      </a:r>
+                      <a:endParaRPr lang="es-MX" sz="1400" b="0" dirty="0"/>
+                    </a:p>
+                  </a:txBody>
+                  <a:tcPr/>
+                </a:tc>
+                <a:tc>
+                  <a:txBody>
+                    <a:bodyPr/>
+                    <a:lstStyle/>
+                    <a:p>
+                      <a:r>
+                        <a:rPr lang="es-MX" sz="1400" b="0" dirty="0" smtClean="0"/>
+                        <a:t>0</a:t>
+                      </a:r>
+                      <a:endParaRPr lang="es-MX" sz="1400" b="0" dirty="0"/>
+                    </a:p>
+                  </a:txBody>
+                  <a:tcPr/>
+                </a:tc>
+                <a:tc>
+                  <a:txBody>
+                    <a:bodyPr/>
+                    <a:lstStyle/>
+                    <a:p>
+                      <a:r>
+                        <a:rPr lang="es-MX" sz="1400" b="0" dirty="0" smtClean="0"/>
+                        <a:t>0</a:t>
+                      </a:r>
+                      <a:endParaRPr lang="es-MX" sz="1400" b="0" dirty="0"/>
+                    </a:p>
+                  </a:txBody>
+                  <a:tcPr/>
+                </a:tc>
+                <a:tc>
+                  <a:txBody>
+                    <a:bodyPr/>
+                    <a:lstStyle/>
+                    <a:p>
+                      <a:r>
+                        <a:rPr lang="es-MX" sz="1400" b="0" dirty="0" smtClean="0"/>
+                        <a:t>0</a:t>
+                      </a:r>
+                      <a:endParaRPr lang="es-MX" sz="1400" b="0" dirty="0"/>
+                    </a:p>
+                  </a:txBody>
+                  <a:tcPr/>
+                </a:tc>
+                <a:tc>
+                  <a:txBody>
+                    <a:bodyPr/>
+                    <a:lstStyle/>
+                    <a:p>
+                      <a:r>
+                        <a:rPr lang="es-MX" sz="1400" b="0" dirty="0" smtClean="0"/>
+                        <a:t>0</a:t>
+                      </a:r>
+                      <a:endParaRPr lang="es-MX" sz="1400" b="0" dirty="0"/>
+                    </a:p>
+                  </a:txBody>
+                  <a:tcPr/>
+                </a:tc>
+                <a:tc>
+                  <a:txBody>
+                    <a:bodyPr/>
+                    <a:lstStyle/>
+                    <a:p>
+                      <a:r>
+                        <a:rPr lang="es-MX" sz="1400" b="0" dirty="0" smtClean="0"/>
+                        <a:t>0</a:t>
+                      </a:r>
+                      <a:endParaRPr lang="es-MX" sz="1400" b="0" dirty="0"/>
+                    </a:p>
+                  </a:txBody>
+                  <a:tcPr/>
+                </a:tc>
+                <a:tc>
+                  <a:txBody>
+                    <a:bodyPr/>
+                    <a:lstStyle/>
+                    <a:p>
+                      <a:r>
+                        <a:rPr lang="es-MX" sz="1400" b="0" dirty="0" smtClean="0"/>
+                        <a:t>0</a:t>
+                      </a:r>
+                      <a:endParaRPr lang="es-MX" sz="1400" b="0" dirty="0"/>
+                    </a:p>
+                  </a:txBody>
+                  <a:tcPr/>
+                </a:tc>
+                <a:tc>
+                  <a:txBody>
+                    <a:bodyPr/>
+                    <a:lstStyle/>
+                    <a:p>
+                      <a:r>
+                        <a:rPr lang="es-MX" sz="1400" b="0" dirty="0" smtClean="0"/>
+                        <a:t>4</a:t>
+                      </a:r>
+                      <a:endParaRPr lang="es-MX" sz="1400" b="0" dirty="0"/>
+                    </a:p>
+                  </a:txBody>
+                  <a:tcPr/>
+                </a:tc>
+              </a:tr>
+              <a:tr h="370840">
+                <a:tc>
+                  <a:txBody>
+                    <a:bodyPr/>
+                    <a:lstStyle/>
+                    <a:p>
+                      <a:r>
+                        <a:rPr lang="es-MX" sz="1600" b="1" dirty="0" smtClean="0"/>
+                        <a:t>2</a:t>
+                      </a:r>
+                      <a:endParaRPr lang="es-MX" sz="1600" b="1" dirty="0"/>
+                    </a:p>
+                  </a:txBody>
+                  <a:tcPr/>
+                </a:tc>
+                <a:tc>
+                  <a:txBody>
+                    <a:bodyPr/>
+                    <a:lstStyle/>
+                    <a:p>
+                      <a:r>
+                        <a:rPr lang="es-MX" sz="1400" b="0" dirty="0" smtClean="0"/>
+                        <a:t>0</a:t>
+                      </a:r>
+                      <a:endParaRPr lang="es-MX" sz="1400" b="0" dirty="0"/>
+                    </a:p>
+                  </a:txBody>
+                  <a:tcPr/>
+                </a:tc>
+                <a:tc>
+                  <a:txBody>
+                    <a:bodyPr/>
+                    <a:lstStyle/>
+                    <a:p>
+                      <a:r>
+                        <a:rPr lang="es-MX" sz="1400" b="0" dirty="0" smtClean="0"/>
+                        <a:t>0</a:t>
+                      </a:r>
+                      <a:endParaRPr lang="es-MX" sz="1400" b="0" dirty="0"/>
+                    </a:p>
+                  </a:txBody>
+                  <a:tcPr/>
+                </a:tc>
+                <a:tc>
+                  <a:txBody>
+                    <a:bodyPr/>
+                    <a:lstStyle/>
+                    <a:p>
+                      <a:r>
+                        <a:rPr lang="es-MX" sz="1400" b="0" dirty="0" smtClean="0"/>
+                        <a:t>425</a:t>
+                      </a:r>
+                      <a:endParaRPr lang="es-MX" sz="1400" b="0" dirty="0"/>
+                    </a:p>
+                  </a:txBody>
+                  <a:tcPr/>
+                </a:tc>
+                <a:tc>
+                  <a:txBody>
+                    <a:bodyPr/>
+                    <a:lstStyle/>
+                    <a:p>
+                      <a:r>
+                        <a:rPr lang="es-MX" sz="1400" b="0" dirty="0" smtClean="0"/>
+                        <a:t>1</a:t>
+                      </a:r>
+                      <a:endParaRPr lang="es-MX" sz="1400" b="0" dirty="0"/>
+                    </a:p>
+                  </a:txBody>
+                  <a:tcPr/>
+                </a:tc>
+                <a:tc>
+                  <a:txBody>
+                    <a:bodyPr/>
+                    <a:lstStyle/>
+                    <a:p>
+                      <a:r>
+                        <a:rPr lang="es-MX" sz="1400" b="0" dirty="0" smtClean="0"/>
+                        <a:t>0</a:t>
+                      </a:r>
+                      <a:endParaRPr lang="es-MX" sz="1400" b="0" dirty="0"/>
+                    </a:p>
+                  </a:txBody>
+                  <a:tcPr/>
+                </a:tc>
+                <a:tc>
+                  <a:txBody>
+                    <a:bodyPr/>
+                    <a:lstStyle/>
+                    <a:p>
+                      <a:r>
+                        <a:rPr lang="es-MX" sz="1400" b="0" dirty="0" smtClean="0"/>
+                        <a:t>0</a:t>
+                      </a:r>
+                      <a:endParaRPr lang="es-MX" sz="1400" b="0" dirty="0"/>
+                    </a:p>
+                  </a:txBody>
+                  <a:tcPr/>
+                </a:tc>
+                <a:tc>
+                  <a:txBody>
+                    <a:bodyPr/>
+                    <a:lstStyle/>
+                    <a:p>
+                      <a:r>
+                        <a:rPr lang="es-MX" sz="1400" b="0" dirty="0" smtClean="0"/>
+                        <a:t>0</a:t>
+                      </a:r>
+                      <a:endParaRPr lang="es-MX" sz="1400" b="0" dirty="0"/>
+                    </a:p>
+                  </a:txBody>
+                  <a:tcPr/>
+                </a:tc>
+                <a:tc>
+                  <a:txBody>
+                    <a:bodyPr/>
+                    <a:lstStyle/>
+                    <a:p>
+                      <a:r>
+                        <a:rPr lang="es-MX" sz="1400" b="0" dirty="0" smtClean="0"/>
+                        <a:t>0</a:t>
+                      </a:r>
+                      <a:endParaRPr lang="es-MX" sz="1400" b="0" dirty="0"/>
+                    </a:p>
+                  </a:txBody>
+                  <a:tcPr/>
+                </a:tc>
+                <a:tc>
+                  <a:txBody>
+                    <a:bodyPr/>
+                    <a:lstStyle/>
+                    <a:p>
+                      <a:r>
+                        <a:rPr lang="es-MX" sz="1400" b="0" dirty="0" smtClean="0"/>
+                        <a:t>0</a:t>
+                      </a:r>
+                      <a:endParaRPr lang="es-MX" sz="1400" b="0" dirty="0"/>
+                    </a:p>
+                  </a:txBody>
+                  <a:tcPr/>
+                </a:tc>
+                <a:tc>
+                  <a:txBody>
+                    <a:bodyPr/>
+                    <a:lstStyle/>
+                    <a:p>
+                      <a:r>
+                        <a:rPr lang="es-MX" sz="1400" b="0" dirty="0" smtClean="0"/>
+                        <a:t>0</a:t>
+                      </a:r>
+                      <a:endParaRPr lang="es-MX" sz="1400" b="0" dirty="0"/>
+                    </a:p>
+                  </a:txBody>
+                  <a:tcPr/>
+                </a:tc>
+              </a:tr>
+              <a:tr h="370840">
+                <a:tc>
+                  <a:txBody>
+                    <a:bodyPr/>
+                    <a:lstStyle/>
+                    <a:p>
+                      <a:r>
+                        <a:rPr lang="es-MX" sz="1600" b="1" dirty="0" smtClean="0"/>
+                        <a:t>3</a:t>
+                      </a:r>
+                      <a:endParaRPr lang="es-MX" sz="1600" b="1" dirty="0"/>
+                    </a:p>
+                  </a:txBody>
+                  <a:tcPr/>
+                </a:tc>
+                <a:tc>
+                  <a:txBody>
+                    <a:bodyPr/>
+                    <a:lstStyle/>
+                    <a:p>
+                      <a:r>
+                        <a:rPr lang="es-MX" sz="1400" b="0" dirty="0" smtClean="0"/>
+                        <a:t>1</a:t>
+                      </a:r>
+                      <a:endParaRPr lang="es-MX" sz="1400" b="0" dirty="0"/>
+                    </a:p>
+                  </a:txBody>
+                  <a:tcPr/>
+                </a:tc>
+                <a:tc>
+                  <a:txBody>
+                    <a:bodyPr/>
+                    <a:lstStyle/>
+                    <a:p>
+                      <a:r>
+                        <a:rPr lang="es-MX" sz="1400" b="0" dirty="0" smtClean="0"/>
+                        <a:t>0</a:t>
+                      </a:r>
+                      <a:endParaRPr lang="es-MX" sz="1400" b="0" dirty="0"/>
+                    </a:p>
+                  </a:txBody>
+                  <a:tcPr/>
+                </a:tc>
+                <a:tc>
+                  <a:txBody>
+                    <a:bodyPr/>
+                    <a:lstStyle/>
+                    <a:p>
+                      <a:r>
+                        <a:rPr lang="es-MX" sz="1400" b="0" dirty="0" smtClean="0"/>
+                        <a:t>0</a:t>
+                      </a:r>
+                      <a:endParaRPr lang="es-MX" sz="1400" b="0" dirty="0"/>
+                    </a:p>
+                  </a:txBody>
+                  <a:tcPr/>
+                </a:tc>
+                <a:tc>
+                  <a:txBody>
+                    <a:bodyPr/>
+                    <a:lstStyle/>
+                    <a:p>
+                      <a:r>
+                        <a:rPr lang="es-MX" sz="1400" b="0" dirty="0" smtClean="0"/>
+                        <a:t>1071</a:t>
+                      </a:r>
+                      <a:endParaRPr lang="es-MX" sz="1400" b="0" dirty="0"/>
+                    </a:p>
+                  </a:txBody>
+                  <a:tcPr/>
+                </a:tc>
+                <a:tc>
+                  <a:txBody>
+                    <a:bodyPr/>
+                    <a:lstStyle/>
+                    <a:p>
+                      <a:r>
+                        <a:rPr lang="es-MX" sz="1400" b="0" dirty="0" smtClean="0"/>
+                        <a:t>0</a:t>
+                      </a:r>
+                      <a:endParaRPr lang="es-MX" sz="1400" b="0" dirty="0"/>
+                    </a:p>
+                  </a:txBody>
+                  <a:tcPr/>
+                </a:tc>
+                <a:tc>
+                  <a:txBody>
+                    <a:bodyPr/>
+                    <a:lstStyle/>
+                    <a:p>
+                      <a:r>
+                        <a:rPr lang="es-MX" sz="1400" b="0" dirty="0" smtClean="0"/>
+                        <a:t>0</a:t>
+                      </a:r>
+                      <a:endParaRPr lang="es-MX" sz="1400" b="0" dirty="0"/>
+                    </a:p>
+                  </a:txBody>
+                  <a:tcPr/>
+                </a:tc>
+                <a:tc>
+                  <a:txBody>
+                    <a:bodyPr/>
+                    <a:lstStyle/>
+                    <a:p>
+                      <a:r>
+                        <a:rPr lang="es-MX" sz="1400" b="0" dirty="0" smtClean="0"/>
+                        <a:t>0</a:t>
+                      </a:r>
+                      <a:endParaRPr lang="es-MX" sz="1400" b="0" dirty="0"/>
+                    </a:p>
+                  </a:txBody>
+                  <a:tcPr/>
+                </a:tc>
+                <a:tc>
+                  <a:txBody>
+                    <a:bodyPr/>
+                    <a:lstStyle/>
+                    <a:p>
+                      <a:r>
+                        <a:rPr lang="es-MX" sz="1400" b="0" dirty="0" smtClean="0"/>
+                        <a:t>0</a:t>
+                      </a:r>
+                      <a:endParaRPr lang="es-MX" sz="1400" b="0" dirty="0"/>
+                    </a:p>
+                  </a:txBody>
+                  <a:tcPr/>
+                </a:tc>
+                <a:tc>
+                  <a:txBody>
+                    <a:bodyPr/>
+                    <a:lstStyle/>
+                    <a:p>
+                      <a:r>
+                        <a:rPr lang="es-MX" sz="1400" b="0" dirty="0" smtClean="0"/>
+                        <a:t>0</a:t>
+                      </a:r>
+                      <a:endParaRPr lang="es-MX" sz="1400" b="0" dirty="0"/>
+                    </a:p>
+                  </a:txBody>
+                  <a:tcPr/>
+                </a:tc>
+                <a:tc>
+                  <a:txBody>
+                    <a:bodyPr/>
+                    <a:lstStyle/>
+                    <a:p>
+                      <a:r>
+                        <a:rPr lang="es-MX" sz="1400" b="0" dirty="0" smtClean="0"/>
+                        <a:t>0</a:t>
+                      </a:r>
+                      <a:endParaRPr lang="es-MX" sz="1400" b="0" dirty="0"/>
+                    </a:p>
+                  </a:txBody>
+                  <a:tcPr/>
+                </a:tc>
+              </a:tr>
+              <a:tr h="370840">
+                <a:tc>
+                  <a:txBody>
+                    <a:bodyPr/>
+                    <a:lstStyle/>
+                    <a:p>
+                      <a:r>
+                        <a:rPr lang="es-MX" sz="1600" b="1" dirty="0" smtClean="0"/>
+                        <a:t>4</a:t>
+                      </a:r>
+                      <a:endParaRPr lang="es-MX" sz="1600" b="1" dirty="0"/>
+                    </a:p>
+                  </a:txBody>
+                  <a:tcPr/>
+                </a:tc>
+                <a:tc>
+                  <a:txBody>
+                    <a:bodyPr/>
+                    <a:lstStyle/>
+                    <a:p>
+                      <a:r>
+                        <a:rPr lang="es-MX" sz="1400" b="0" dirty="0" smtClean="0"/>
+                        <a:t>1</a:t>
+                      </a:r>
+                      <a:endParaRPr lang="es-MX" sz="1400" b="0" dirty="0"/>
+                    </a:p>
+                  </a:txBody>
+                  <a:tcPr/>
+                </a:tc>
+                <a:tc>
+                  <a:txBody>
+                    <a:bodyPr/>
+                    <a:lstStyle/>
+                    <a:p>
+                      <a:r>
+                        <a:rPr lang="es-MX" sz="1400" b="0" dirty="0" smtClean="0"/>
+                        <a:t>0</a:t>
+                      </a:r>
+                      <a:endParaRPr lang="es-MX" sz="1400" b="0" dirty="0"/>
+                    </a:p>
+                  </a:txBody>
+                  <a:tcPr/>
+                </a:tc>
+                <a:tc>
+                  <a:txBody>
+                    <a:bodyPr/>
+                    <a:lstStyle/>
+                    <a:p>
+                      <a:r>
+                        <a:rPr lang="es-MX" sz="1400" b="0" dirty="0" smtClean="0"/>
+                        <a:t>0</a:t>
+                      </a:r>
+                      <a:endParaRPr lang="es-MX" sz="1400" b="0" dirty="0"/>
+                    </a:p>
+                  </a:txBody>
+                  <a:tcPr/>
+                </a:tc>
+                <a:tc>
+                  <a:txBody>
+                    <a:bodyPr/>
+                    <a:lstStyle/>
+                    <a:p>
+                      <a:r>
+                        <a:rPr lang="es-MX" sz="1400" b="0" dirty="0" smtClean="0"/>
+                        <a:t>0</a:t>
+                      </a:r>
+                      <a:endParaRPr lang="es-MX" sz="1400" b="0" dirty="0"/>
+                    </a:p>
+                  </a:txBody>
+                  <a:tcPr/>
+                </a:tc>
+                <a:tc>
+                  <a:txBody>
+                    <a:bodyPr/>
+                    <a:lstStyle/>
+                    <a:p>
+                      <a:r>
+                        <a:rPr lang="es-MX" sz="1400" b="0" dirty="0" smtClean="0"/>
+                        <a:t>314</a:t>
+                      </a:r>
+                      <a:endParaRPr lang="es-MX" sz="1400" b="0" dirty="0"/>
+                    </a:p>
+                  </a:txBody>
+                  <a:tcPr/>
+                </a:tc>
+                <a:tc>
+                  <a:txBody>
+                    <a:bodyPr/>
+                    <a:lstStyle/>
+                    <a:p>
+                      <a:r>
+                        <a:rPr lang="es-MX" sz="1400" b="0" dirty="0" smtClean="0"/>
+                        <a:t>0</a:t>
+                      </a:r>
+                      <a:endParaRPr lang="es-MX" sz="1400" b="0" dirty="0"/>
+                    </a:p>
+                  </a:txBody>
+                  <a:tcPr/>
+                </a:tc>
+                <a:tc>
+                  <a:txBody>
+                    <a:bodyPr/>
+                    <a:lstStyle/>
+                    <a:p>
+                      <a:r>
+                        <a:rPr lang="es-MX" sz="1400" b="0" dirty="0" smtClean="0"/>
+                        <a:t>1</a:t>
+                      </a:r>
+                      <a:endParaRPr lang="es-MX" sz="1400" b="0" dirty="0"/>
+                    </a:p>
+                  </a:txBody>
+                  <a:tcPr/>
+                </a:tc>
+                <a:tc>
+                  <a:txBody>
+                    <a:bodyPr/>
+                    <a:lstStyle/>
+                    <a:p>
+                      <a:r>
+                        <a:rPr lang="es-MX" sz="1400" b="0" dirty="0" smtClean="0"/>
+                        <a:t>0</a:t>
+                      </a:r>
+                      <a:endParaRPr lang="es-MX" sz="1400" b="0" dirty="0"/>
+                    </a:p>
+                  </a:txBody>
+                  <a:tcPr/>
+                </a:tc>
+                <a:tc>
+                  <a:txBody>
+                    <a:bodyPr/>
+                    <a:lstStyle/>
+                    <a:p>
+                      <a:r>
+                        <a:rPr lang="es-MX" sz="1400" b="0" dirty="0" smtClean="0"/>
+                        <a:t>3</a:t>
+                      </a:r>
+                      <a:endParaRPr lang="es-MX" sz="1400" b="0" dirty="0"/>
+                    </a:p>
+                  </a:txBody>
+                  <a:tcPr/>
+                </a:tc>
+                <a:tc>
+                  <a:txBody>
+                    <a:bodyPr/>
+                    <a:lstStyle/>
+                    <a:p>
+                      <a:r>
+                        <a:rPr lang="es-MX" sz="1400" b="0" dirty="0" smtClean="0"/>
+                        <a:t>0</a:t>
+                      </a:r>
+                      <a:endParaRPr lang="es-MX" sz="1400" b="0" dirty="0"/>
+                    </a:p>
+                  </a:txBody>
+                  <a:tcPr/>
+                </a:tc>
+              </a:tr>
+              <a:tr h="370840">
+                <a:tc>
+                  <a:txBody>
+                    <a:bodyPr/>
+                    <a:lstStyle/>
+                    <a:p>
+                      <a:r>
+                        <a:rPr lang="es-MX" sz="1600" b="1" dirty="0" smtClean="0"/>
+                        <a:t>5</a:t>
+                      </a:r>
+                      <a:endParaRPr lang="es-MX" sz="1600" b="1" dirty="0"/>
+                    </a:p>
+                  </a:txBody>
+                  <a:tcPr/>
+                </a:tc>
+                <a:tc>
+                  <a:txBody>
+                    <a:bodyPr/>
+                    <a:lstStyle/>
+                    <a:p>
+                      <a:r>
+                        <a:rPr lang="es-MX" sz="1400" b="0" dirty="0" smtClean="0"/>
+                        <a:t>0</a:t>
+                      </a:r>
+                      <a:endParaRPr lang="es-MX" sz="1400" b="0" dirty="0"/>
+                    </a:p>
+                  </a:txBody>
+                  <a:tcPr/>
+                </a:tc>
+                <a:tc>
+                  <a:txBody>
+                    <a:bodyPr/>
+                    <a:lstStyle/>
+                    <a:p>
+                      <a:r>
+                        <a:rPr lang="es-MX" sz="1400" b="0" dirty="0" smtClean="0"/>
+                        <a:t>0</a:t>
+                      </a:r>
+                      <a:endParaRPr lang="es-MX" sz="1400" b="0" dirty="0"/>
+                    </a:p>
+                  </a:txBody>
+                  <a:tcPr/>
+                </a:tc>
+                <a:tc>
+                  <a:txBody>
+                    <a:bodyPr/>
+                    <a:lstStyle/>
+                    <a:p>
+                      <a:r>
+                        <a:rPr lang="es-MX" sz="1400" b="0" dirty="0" smtClean="0"/>
+                        <a:t>0</a:t>
+                      </a:r>
+                      <a:endParaRPr lang="es-MX" sz="1400" b="0" dirty="0"/>
+                    </a:p>
+                  </a:txBody>
+                  <a:tcPr/>
+                </a:tc>
+                <a:tc>
+                  <a:txBody>
+                    <a:bodyPr/>
+                    <a:lstStyle/>
+                    <a:p>
+                      <a:r>
+                        <a:rPr lang="es-MX" sz="1400" b="0" dirty="0" smtClean="0"/>
+                        <a:t>0</a:t>
+                      </a:r>
+                      <a:endParaRPr lang="es-MX" sz="1400" b="0" dirty="0"/>
+                    </a:p>
+                  </a:txBody>
+                  <a:tcPr/>
+                </a:tc>
+                <a:tc>
+                  <a:txBody>
+                    <a:bodyPr/>
+                    <a:lstStyle/>
+                    <a:p>
+                      <a:r>
+                        <a:rPr lang="es-MX" sz="1400" b="0" dirty="0" smtClean="0"/>
+                        <a:t>0</a:t>
+                      </a:r>
+                      <a:endParaRPr lang="es-MX" sz="1400" b="0" dirty="0"/>
+                    </a:p>
+                  </a:txBody>
+                  <a:tcPr/>
+                </a:tc>
+                <a:tc>
+                  <a:txBody>
+                    <a:bodyPr/>
+                    <a:lstStyle/>
+                    <a:p>
+                      <a:r>
+                        <a:rPr lang="es-MX" sz="1400" b="0" dirty="0" smtClean="0"/>
+                        <a:t>75</a:t>
+                      </a:r>
+                      <a:endParaRPr lang="es-MX" sz="1400" b="0" dirty="0"/>
+                    </a:p>
+                  </a:txBody>
+                  <a:tcPr/>
+                </a:tc>
+                <a:tc>
+                  <a:txBody>
+                    <a:bodyPr/>
+                    <a:lstStyle/>
+                    <a:p>
+                      <a:r>
+                        <a:rPr lang="es-MX" sz="1400" b="0" dirty="0" smtClean="0"/>
+                        <a:t>0</a:t>
+                      </a:r>
+                      <a:endParaRPr lang="es-MX" sz="1400" b="0" dirty="0"/>
+                    </a:p>
+                  </a:txBody>
+                  <a:tcPr/>
+                </a:tc>
+                <a:tc>
+                  <a:txBody>
+                    <a:bodyPr/>
+                    <a:lstStyle/>
+                    <a:p>
+                      <a:r>
+                        <a:rPr lang="es-MX" sz="1400" b="0" dirty="0" smtClean="0"/>
+                        <a:t>0</a:t>
+                      </a:r>
+                      <a:endParaRPr lang="es-MX" sz="1400" b="0" dirty="0"/>
+                    </a:p>
+                  </a:txBody>
+                  <a:tcPr/>
+                </a:tc>
+                <a:tc>
+                  <a:txBody>
+                    <a:bodyPr/>
+                    <a:lstStyle/>
+                    <a:p>
+                      <a:r>
+                        <a:rPr lang="es-MX" sz="1400" b="0" dirty="0" smtClean="0"/>
+                        <a:t>0</a:t>
+                      </a:r>
+                      <a:endParaRPr lang="es-MX" sz="1400" b="0" dirty="0"/>
+                    </a:p>
+                  </a:txBody>
+                  <a:tcPr/>
+                </a:tc>
+                <a:tc>
+                  <a:txBody>
+                    <a:bodyPr/>
+                    <a:lstStyle/>
+                    <a:p>
+                      <a:r>
+                        <a:rPr lang="es-MX" sz="1400" b="0" dirty="0" smtClean="0"/>
+                        <a:t>0</a:t>
+                      </a:r>
+                      <a:endParaRPr lang="es-MX" sz="1400" b="0" dirty="0"/>
+                    </a:p>
+                  </a:txBody>
+                  <a:tcPr/>
+                </a:tc>
+              </a:tr>
+              <a:tr h="370840">
+                <a:tc>
+                  <a:txBody>
+                    <a:bodyPr/>
+                    <a:lstStyle/>
+                    <a:p>
+                      <a:r>
+                        <a:rPr lang="es-MX" sz="1600" b="1" dirty="0" smtClean="0"/>
+                        <a:t>6</a:t>
+                      </a:r>
+                      <a:endParaRPr lang="es-MX" sz="1600" b="1" dirty="0"/>
+                    </a:p>
+                  </a:txBody>
+                  <a:tcPr/>
+                </a:tc>
+                <a:tc>
+                  <a:txBody>
+                    <a:bodyPr/>
+                    <a:lstStyle/>
+                    <a:p>
+                      <a:r>
+                        <a:rPr lang="es-MX" sz="1400" b="0" dirty="0" smtClean="0"/>
+                        <a:t>18</a:t>
+                      </a:r>
+                      <a:endParaRPr lang="es-MX" sz="1400" b="0" dirty="0"/>
+                    </a:p>
+                  </a:txBody>
+                  <a:tcPr/>
+                </a:tc>
+                <a:tc>
+                  <a:txBody>
+                    <a:bodyPr/>
+                    <a:lstStyle/>
+                    <a:p>
+                      <a:r>
+                        <a:rPr lang="es-MX" sz="1400" b="0" dirty="0" smtClean="0"/>
+                        <a:t>1</a:t>
+                      </a:r>
+                      <a:endParaRPr lang="es-MX" sz="1400" b="0" dirty="0"/>
+                    </a:p>
+                  </a:txBody>
+                  <a:tcPr/>
+                </a:tc>
+                <a:tc>
+                  <a:txBody>
+                    <a:bodyPr/>
+                    <a:lstStyle/>
+                    <a:p>
+                      <a:r>
+                        <a:rPr lang="es-MX" sz="1400" b="0" dirty="0" smtClean="0"/>
+                        <a:t>0</a:t>
+                      </a:r>
+                      <a:endParaRPr lang="es-MX" sz="1400" b="0" dirty="0"/>
+                    </a:p>
+                  </a:txBody>
+                  <a:tcPr/>
+                </a:tc>
+                <a:tc>
+                  <a:txBody>
+                    <a:bodyPr/>
+                    <a:lstStyle/>
+                    <a:p>
+                      <a:r>
+                        <a:rPr lang="es-MX" sz="1400" b="0" dirty="0" smtClean="0"/>
+                        <a:t>0</a:t>
+                      </a:r>
+                      <a:endParaRPr lang="es-MX" sz="1400" b="0" dirty="0"/>
+                    </a:p>
+                  </a:txBody>
+                  <a:tcPr/>
+                </a:tc>
+                <a:tc>
+                  <a:txBody>
+                    <a:bodyPr/>
+                    <a:lstStyle/>
+                    <a:p>
+                      <a:r>
+                        <a:rPr lang="es-MX" sz="1400" b="0" dirty="0" smtClean="0"/>
+                        <a:t>0</a:t>
+                      </a:r>
+                      <a:endParaRPr lang="es-MX" sz="1400" b="0" dirty="0"/>
+                    </a:p>
+                  </a:txBody>
+                  <a:tcPr/>
+                </a:tc>
+                <a:tc>
+                  <a:txBody>
+                    <a:bodyPr/>
+                    <a:lstStyle/>
+                    <a:p>
+                      <a:r>
+                        <a:rPr lang="es-MX" sz="1400" b="0" dirty="0" smtClean="0"/>
+                        <a:t>1</a:t>
+                      </a:r>
+                      <a:endParaRPr lang="es-MX" sz="1400" b="0" dirty="0"/>
+                    </a:p>
+                  </a:txBody>
+                  <a:tcPr/>
+                </a:tc>
+                <a:tc>
+                  <a:txBody>
+                    <a:bodyPr/>
+                    <a:lstStyle/>
+                    <a:p>
+                      <a:r>
+                        <a:rPr lang="es-MX" sz="1400" b="0" dirty="0" smtClean="0"/>
+                        <a:t>257</a:t>
+                      </a:r>
+                      <a:endParaRPr lang="es-MX" sz="1400" b="0" dirty="0"/>
+                    </a:p>
+                  </a:txBody>
+                  <a:tcPr/>
+                </a:tc>
+                <a:tc>
+                  <a:txBody>
+                    <a:bodyPr/>
+                    <a:lstStyle/>
+                    <a:p>
+                      <a:r>
+                        <a:rPr lang="es-MX" sz="1400" b="0" dirty="0" smtClean="0"/>
+                        <a:t>3</a:t>
+                      </a:r>
+                      <a:endParaRPr lang="es-MX" sz="1400" b="0" dirty="0"/>
+                    </a:p>
+                  </a:txBody>
+                  <a:tcPr/>
+                </a:tc>
+                <a:tc>
+                  <a:txBody>
+                    <a:bodyPr/>
+                    <a:lstStyle/>
+                    <a:p>
+                      <a:r>
+                        <a:rPr lang="es-MX" sz="1400" b="0" dirty="0" smtClean="0"/>
+                        <a:t>0</a:t>
+                      </a:r>
+                      <a:endParaRPr lang="es-MX" sz="1400" b="0" dirty="0"/>
+                    </a:p>
+                  </a:txBody>
+                  <a:tcPr/>
+                </a:tc>
+                <a:tc>
+                  <a:txBody>
+                    <a:bodyPr/>
+                    <a:lstStyle/>
+                    <a:p>
+                      <a:r>
+                        <a:rPr lang="es-MX" sz="1400" b="0" dirty="0" smtClean="0"/>
+                        <a:t>1</a:t>
+                      </a:r>
+                      <a:endParaRPr lang="es-MX" sz="1400" b="0" dirty="0"/>
+                    </a:p>
+                  </a:txBody>
+                  <a:tcPr/>
+                </a:tc>
+              </a:tr>
+              <a:tr h="370840">
+                <a:tc>
+                  <a:txBody>
+                    <a:bodyPr/>
+                    <a:lstStyle/>
+                    <a:p>
+                      <a:r>
+                        <a:rPr lang="es-MX" sz="1600" b="1" dirty="0" smtClean="0"/>
+                        <a:t>7</a:t>
+                      </a:r>
+                      <a:endParaRPr lang="es-MX" sz="1600" b="1" dirty="0"/>
+                    </a:p>
+                  </a:txBody>
+                  <a:tcPr/>
+                </a:tc>
+                <a:tc>
+                  <a:txBody>
+                    <a:bodyPr/>
+                    <a:lstStyle/>
+                    <a:p>
+                      <a:r>
+                        <a:rPr lang="es-MX" sz="1400" b="0" dirty="0" smtClean="0"/>
+                        <a:t>1</a:t>
+                      </a:r>
+                      <a:endParaRPr lang="es-MX" sz="1400" b="0" dirty="0"/>
+                    </a:p>
+                  </a:txBody>
+                  <a:tcPr/>
+                </a:tc>
+                <a:tc>
+                  <a:txBody>
+                    <a:bodyPr/>
+                    <a:lstStyle/>
+                    <a:p>
+                      <a:r>
+                        <a:rPr lang="es-MX" sz="1400" b="0" dirty="0" smtClean="0"/>
+                        <a:t>0</a:t>
+                      </a:r>
+                      <a:endParaRPr lang="es-MX" sz="1400" b="0" dirty="0"/>
+                    </a:p>
+                  </a:txBody>
+                  <a:tcPr/>
+                </a:tc>
+                <a:tc>
+                  <a:txBody>
+                    <a:bodyPr/>
+                    <a:lstStyle/>
+                    <a:p>
+                      <a:r>
+                        <a:rPr lang="es-MX" sz="1400" b="0" dirty="0" smtClean="0"/>
+                        <a:t>0</a:t>
+                      </a:r>
+                      <a:endParaRPr lang="es-MX" sz="1400" b="0" dirty="0"/>
+                    </a:p>
+                  </a:txBody>
+                  <a:tcPr/>
+                </a:tc>
+                <a:tc>
+                  <a:txBody>
+                    <a:bodyPr/>
+                    <a:lstStyle/>
+                    <a:p>
+                      <a:r>
+                        <a:rPr lang="es-MX" sz="1400" b="0" dirty="0" smtClean="0"/>
+                        <a:t>0</a:t>
+                      </a:r>
+                      <a:endParaRPr lang="es-MX" sz="1400" b="0" dirty="0"/>
+                    </a:p>
+                  </a:txBody>
+                  <a:tcPr/>
+                </a:tc>
+                <a:tc>
+                  <a:txBody>
+                    <a:bodyPr/>
+                    <a:lstStyle/>
+                    <a:p>
+                      <a:r>
+                        <a:rPr lang="es-MX" sz="1400" b="0" dirty="0" smtClean="0"/>
+                        <a:t>0</a:t>
+                      </a:r>
+                      <a:endParaRPr lang="es-MX" sz="1400" b="0" dirty="0"/>
+                    </a:p>
+                  </a:txBody>
+                  <a:tcPr/>
+                </a:tc>
+                <a:tc>
+                  <a:txBody>
+                    <a:bodyPr/>
+                    <a:lstStyle/>
+                    <a:p>
+                      <a:r>
+                        <a:rPr lang="es-MX" sz="1400" b="0" dirty="0" smtClean="0"/>
+                        <a:t>0</a:t>
+                      </a:r>
+                      <a:endParaRPr lang="es-MX" sz="1400" b="0" dirty="0"/>
+                    </a:p>
+                  </a:txBody>
+                  <a:tcPr/>
+                </a:tc>
+                <a:tc>
+                  <a:txBody>
+                    <a:bodyPr/>
+                    <a:lstStyle/>
+                    <a:p>
+                      <a:r>
+                        <a:rPr lang="es-MX" sz="1400" b="0" dirty="0" smtClean="0"/>
+                        <a:t>1</a:t>
+                      </a:r>
+                      <a:endParaRPr lang="es-MX" sz="1400" b="0" dirty="0"/>
+                    </a:p>
+                  </a:txBody>
+                  <a:tcPr/>
+                </a:tc>
+                <a:tc>
+                  <a:txBody>
+                    <a:bodyPr/>
+                    <a:lstStyle/>
+                    <a:p>
+                      <a:r>
+                        <a:rPr lang="es-MX" sz="1400" b="0" dirty="0" smtClean="0"/>
+                        <a:t>196</a:t>
+                      </a:r>
+                      <a:endParaRPr lang="es-MX" sz="1400" b="0" dirty="0"/>
+                    </a:p>
+                  </a:txBody>
+                  <a:tcPr/>
+                </a:tc>
+                <a:tc>
+                  <a:txBody>
+                    <a:bodyPr/>
+                    <a:lstStyle/>
+                    <a:p>
+                      <a:r>
+                        <a:rPr lang="es-MX" sz="1400" b="0" dirty="0" smtClean="0"/>
+                        <a:t>2</a:t>
+                      </a:r>
+                      <a:endParaRPr lang="es-MX" sz="1400" b="0" dirty="0"/>
+                    </a:p>
+                  </a:txBody>
+                  <a:tcPr/>
+                </a:tc>
+                <a:tc>
+                  <a:txBody>
+                    <a:bodyPr/>
+                    <a:lstStyle/>
+                    <a:p>
+                      <a:r>
+                        <a:rPr lang="es-MX" sz="1400" b="0" dirty="0" smtClean="0"/>
+                        <a:t>0</a:t>
+                      </a:r>
+                      <a:endParaRPr lang="es-MX" sz="1400" b="0" dirty="0"/>
+                    </a:p>
+                  </a:txBody>
+                  <a:tcPr/>
+                </a:tc>
+              </a:tr>
+              <a:tr h="370840">
+                <a:tc>
+                  <a:txBody>
+                    <a:bodyPr/>
+                    <a:lstStyle/>
+                    <a:p>
+                      <a:r>
+                        <a:rPr lang="es-MX" sz="1600" b="1" dirty="0" smtClean="0"/>
+                        <a:t>8</a:t>
+                      </a:r>
+                      <a:endParaRPr lang="es-MX" sz="1600" b="1" dirty="0"/>
+                    </a:p>
+                  </a:txBody>
+                  <a:tcPr/>
+                </a:tc>
+                <a:tc>
+                  <a:txBody>
+                    <a:bodyPr/>
+                    <a:lstStyle/>
+                    <a:p>
+                      <a:r>
+                        <a:rPr lang="es-MX" sz="1400" b="0" dirty="0" smtClean="0"/>
+                        <a:t>0</a:t>
+                      </a:r>
+                      <a:endParaRPr lang="es-MX" sz="1400" b="0" dirty="0"/>
+                    </a:p>
+                  </a:txBody>
+                  <a:tcPr/>
+                </a:tc>
+                <a:tc>
+                  <a:txBody>
+                    <a:bodyPr/>
+                    <a:lstStyle/>
+                    <a:p>
+                      <a:r>
+                        <a:rPr lang="es-MX" sz="1400" b="0" dirty="0" smtClean="0"/>
+                        <a:t>0</a:t>
+                      </a:r>
+                      <a:endParaRPr lang="es-MX" sz="1400" b="0" dirty="0"/>
+                    </a:p>
+                  </a:txBody>
+                  <a:tcPr/>
+                </a:tc>
+                <a:tc>
+                  <a:txBody>
+                    <a:bodyPr/>
+                    <a:lstStyle/>
+                    <a:p>
+                      <a:r>
+                        <a:rPr lang="es-MX" sz="1400" b="0" dirty="0" smtClean="0"/>
+                        <a:t>0</a:t>
+                      </a:r>
+                      <a:endParaRPr lang="es-MX" sz="1400" b="0" dirty="0"/>
+                    </a:p>
+                  </a:txBody>
+                  <a:tcPr/>
+                </a:tc>
+                <a:tc>
+                  <a:txBody>
+                    <a:bodyPr/>
+                    <a:lstStyle/>
+                    <a:p>
+                      <a:r>
+                        <a:rPr lang="es-MX" sz="1400" b="0" dirty="0" smtClean="0"/>
+                        <a:t>0</a:t>
+                      </a:r>
+                      <a:endParaRPr lang="es-MX" sz="1400" b="0" dirty="0"/>
+                    </a:p>
+                  </a:txBody>
+                  <a:tcPr/>
+                </a:tc>
+                <a:tc>
+                  <a:txBody>
+                    <a:bodyPr/>
+                    <a:lstStyle/>
+                    <a:p>
+                      <a:r>
+                        <a:rPr lang="es-MX" sz="1400" b="0" dirty="0" smtClean="0"/>
+                        <a:t>0</a:t>
+                      </a:r>
+                      <a:endParaRPr lang="es-MX" sz="1400" b="0" dirty="0"/>
+                    </a:p>
+                  </a:txBody>
+                  <a:tcPr/>
+                </a:tc>
+                <a:tc>
+                  <a:txBody>
+                    <a:bodyPr/>
+                    <a:lstStyle/>
+                    <a:p>
+                      <a:r>
+                        <a:rPr lang="es-MX" sz="1400" b="0" dirty="0" smtClean="0"/>
+                        <a:t>0</a:t>
+                      </a:r>
+                      <a:endParaRPr lang="es-MX" sz="1400" b="0" dirty="0"/>
+                    </a:p>
+                  </a:txBody>
+                  <a:tcPr/>
+                </a:tc>
+                <a:tc>
+                  <a:txBody>
+                    <a:bodyPr/>
+                    <a:lstStyle/>
+                    <a:p>
+                      <a:r>
+                        <a:rPr lang="es-MX" sz="1400" b="0" dirty="0" smtClean="0"/>
+                        <a:t>0</a:t>
+                      </a:r>
+                      <a:endParaRPr lang="es-MX" sz="1400" b="0" dirty="0"/>
+                    </a:p>
+                  </a:txBody>
+                  <a:tcPr/>
+                </a:tc>
+                <a:tc>
+                  <a:txBody>
+                    <a:bodyPr/>
+                    <a:lstStyle/>
+                    <a:p>
+                      <a:r>
+                        <a:rPr lang="es-MX" sz="1400" b="0" dirty="0" smtClean="0"/>
+                        <a:t>0</a:t>
+                      </a:r>
+                      <a:endParaRPr lang="es-MX" sz="1400" b="0" dirty="0"/>
+                    </a:p>
+                  </a:txBody>
+                  <a:tcPr/>
+                </a:tc>
+                <a:tc>
+                  <a:txBody>
+                    <a:bodyPr/>
+                    <a:lstStyle/>
+                    <a:p>
+                      <a:r>
+                        <a:rPr lang="es-MX" sz="1400" b="0" dirty="0" smtClean="0"/>
+                        <a:t>379</a:t>
+                      </a:r>
+                      <a:endParaRPr lang="es-MX" sz="1400" b="0" dirty="0"/>
+                    </a:p>
+                  </a:txBody>
+                  <a:tcPr/>
+                </a:tc>
+                <a:tc>
+                  <a:txBody>
+                    <a:bodyPr/>
+                    <a:lstStyle/>
+                    <a:p>
+                      <a:r>
+                        <a:rPr lang="es-MX" sz="1400" b="0" dirty="0" smtClean="0"/>
+                        <a:t>3</a:t>
+                      </a:r>
+                      <a:endParaRPr lang="es-MX" sz="1400" b="0" dirty="0"/>
+                    </a:p>
+                  </a:txBody>
+                  <a:tcPr/>
+                </a:tc>
+              </a:tr>
+              <a:tr h="370840">
+                <a:tc>
+                  <a:txBody>
+                    <a:bodyPr/>
+                    <a:lstStyle/>
+                    <a:p>
+                      <a:r>
+                        <a:rPr lang="es-MX" sz="1600" b="1" dirty="0" smtClean="0"/>
+                        <a:t>9</a:t>
+                      </a:r>
+                      <a:endParaRPr lang="es-MX" sz="1600" b="1" dirty="0"/>
+                    </a:p>
+                  </a:txBody>
+                  <a:tcPr/>
+                </a:tc>
+                <a:tc>
+                  <a:txBody>
+                    <a:bodyPr/>
+                    <a:lstStyle/>
+                    <a:p>
+                      <a:r>
+                        <a:rPr lang="es-MX" sz="1400" b="0" dirty="0" smtClean="0"/>
+                        <a:t>0</a:t>
+                      </a:r>
+                      <a:endParaRPr lang="es-MX" sz="1400" b="0" dirty="0"/>
+                    </a:p>
+                  </a:txBody>
+                  <a:tcPr/>
+                </a:tc>
+                <a:tc>
+                  <a:txBody>
+                    <a:bodyPr/>
+                    <a:lstStyle/>
+                    <a:p>
+                      <a:r>
+                        <a:rPr lang="es-MX" sz="1400" b="0" dirty="0" smtClean="0"/>
+                        <a:t>0</a:t>
+                      </a:r>
+                      <a:endParaRPr lang="es-MX" sz="1400" b="0" dirty="0"/>
+                    </a:p>
+                  </a:txBody>
+                  <a:tcPr/>
+                </a:tc>
+                <a:tc>
+                  <a:txBody>
+                    <a:bodyPr/>
+                    <a:lstStyle/>
+                    <a:p>
+                      <a:r>
+                        <a:rPr lang="es-MX" sz="1400" b="0" dirty="0" smtClean="0"/>
+                        <a:t>0</a:t>
+                      </a:r>
+                      <a:endParaRPr lang="es-MX" sz="1400" b="0" dirty="0"/>
+                    </a:p>
+                  </a:txBody>
+                  <a:tcPr/>
+                </a:tc>
+                <a:tc>
+                  <a:txBody>
+                    <a:bodyPr/>
+                    <a:lstStyle/>
+                    <a:p>
+                      <a:r>
+                        <a:rPr lang="es-MX" sz="1400" b="0" dirty="0" smtClean="0"/>
+                        <a:t>0</a:t>
+                      </a:r>
+                      <a:endParaRPr lang="es-MX" sz="1400" b="0" dirty="0"/>
+                    </a:p>
+                  </a:txBody>
+                  <a:tcPr/>
+                </a:tc>
+                <a:tc>
+                  <a:txBody>
+                    <a:bodyPr/>
+                    <a:lstStyle/>
+                    <a:p>
+                      <a:r>
+                        <a:rPr lang="es-MX" sz="1400" b="0" dirty="0" smtClean="0"/>
+                        <a:t>0</a:t>
+                      </a:r>
+                      <a:endParaRPr lang="es-MX" sz="1400" b="0" dirty="0"/>
+                    </a:p>
+                  </a:txBody>
+                  <a:tcPr/>
+                </a:tc>
+                <a:tc>
+                  <a:txBody>
+                    <a:bodyPr/>
+                    <a:lstStyle/>
+                    <a:p>
+                      <a:r>
+                        <a:rPr lang="es-MX" sz="1400" b="0" dirty="0" smtClean="0"/>
+                        <a:t>0</a:t>
+                      </a:r>
+                      <a:endParaRPr lang="es-MX" sz="1400" b="0" dirty="0"/>
+                    </a:p>
+                  </a:txBody>
+                  <a:tcPr/>
+                </a:tc>
+                <a:tc>
+                  <a:txBody>
+                    <a:bodyPr/>
+                    <a:lstStyle/>
+                    <a:p>
+                      <a:r>
+                        <a:rPr lang="es-MX" sz="1400" b="0" dirty="0" smtClean="0"/>
+                        <a:t>0</a:t>
+                      </a:r>
+                      <a:endParaRPr lang="es-MX" sz="1400" b="0" dirty="0"/>
+                    </a:p>
+                  </a:txBody>
+                  <a:tcPr/>
+                </a:tc>
+                <a:tc>
+                  <a:txBody>
+                    <a:bodyPr/>
+                    <a:lstStyle/>
+                    <a:p>
+                      <a:r>
+                        <a:rPr lang="es-MX" sz="1400" b="0" dirty="0" smtClean="0"/>
+                        <a:t>0</a:t>
+                      </a:r>
+                      <a:endParaRPr lang="es-MX" sz="1400" b="0" dirty="0"/>
+                    </a:p>
+                  </a:txBody>
+                  <a:tcPr/>
+                </a:tc>
+                <a:tc>
+                  <a:txBody>
+                    <a:bodyPr/>
+                    <a:lstStyle/>
+                    <a:p>
+                      <a:r>
+                        <a:rPr lang="es-MX" sz="1400" b="0" dirty="0" smtClean="0"/>
+                        <a:t>0</a:t>
+                      </a:r>
+                      <a:endParaRPr lang="es-MX" sz="1400" b="0" dirty="0"/>
+                    </a:p>
+                  </a:txBody>
+                  <a:tcPr/>
+                </a:tc>
+                <a:tc>
+                  <a:txBody>
+                    <a:bodyPr/>
+                    <a:lstStyle/>
+                    <a:p>
+                      <a:r>
+                        <a:rPr lang="es-MX" sz="1400" b="0" dirty="0" smtClean="0"/>
+                        <a:t>191</a:t>
+                      </a:r>
+                      <a:endParaRPr lang="es-MX" sz="1400" b="0" dirty="0"/>
+                    </a:p>
+                  </a:txBody>
+                  <a:tcPr/>
+                </a:tc>
+              </a:tr>
+            </a:tbl>
+          </a:graphicData>
+        </a:graphic>
+      </p:graphicFrame>
+      <p:sp>
+        <p:nvSpPr>
+          <p:cNvPr id="7" name="10 CuadroTexto"/>
+          <p:cNvSpPr txBox="1"/>
+          <p:nvPr/>
+        </p:nvSpPr>
+        <p:spPr>
+          <a:xfrm>
+            <a:off x="5868144" y="3186747"/>
+            <a:ext cx="2520280" cy="2462213"/>
+          </a:xfrm>
+          <a:prstGeom prst="rect">
+            <a:avLst/>
+          </a:prstGeom>
+          <a:noFill/>
+        </p:spPr>
+        <p:txBody>
+          <a:bodyPr wrap="square" rtlCol="0">
+            <a:spAutoFit/>
+          </a:bodyPr>
+          <a:lstStyle/>
+          <a:p>
+            <a:pPr algn="just"/>
+            <a:r>
+              <a:rPr lang="es-MX" sz="1400" dirty="0">
+                <a:latin typeface="LM Roman 10" panose="00000500000000000000" pitchFamily="50" charset="0"/>
+              </a:rPr>
+              <a:t>0 Araña roja</a:t>
+            </a:r>
+          </a:p>
+          <a:p>
+            <a:pPr algn="just"/>
+            <a:r>
+              <a:rPr lang="es-MX" sz="1400" dirty="0">
+                <a:latin typeface="LM Roman 10" panose="00000500000000000000" pitchFamily="50" charset="0"/>
+              </a:rPr>
+              <a:t>1 </a:t>
+            </a:r>
+            <a:r>
+              <a:rPr lang="es-MX" sz="1400" dirty="0" err="1">
+                <a:latin typeface="LM Roman 10" panose="00000500000000000000" pitchFamily="50" charset="0"/>
+              </a:rPr>
+              <a:t>Septoriosis</a:t>
+            </a:r>
+            <a:endParaRPr lang="es-MX" sz="1400" dirty="0">
+              <a:latin typeface="LM Roman 10" panose="00000500000000000000" pitchFamily="50" charset="0"/>
+            </a:endParaRPr>
+          </a:p>
+          <a:p>
+            <a:pPr algn="just"/>
+            <a:r>
+              <a:rPr lang="es-MX" sz="1400" dirty="0">
+                <a:latin typeface="LM Roman 10" panose="00000500000000000000" pitchFamily="50" charset="0"/>
+              </a:rPr>
+              <a:t>2 Mancha bacteriana</a:t>
+            </a:r>
+          </a:p>
+          <a:p>
+            <a:pPr algn="just"/>
+            <a:r>
+              <a:rPr lang="es-MX" sz="1400" dirty="0">
+                <a:latin typeface="LM Roman 10" panose="00000500000000000000" pitchFamily="50" charset="0"/>
+              </a:rPr>
+              <a:t>3 Virus del rizado amarillo</a:t>
+            </a:r>
+          </a:p>
+          <a:p>
+            <a:pPr algn="just"/>
+            <a:r>
+              <a:rPr lang="es-MX" sz="1400" dirty="0">
+                <a:latin typeface="LM Roman 10" panose="00000500000000000000" pitchFamily="50" charset="0"/>
+              </a:rPr>
+              <a:t>4 Planta sana</a:t>
+            </a:r>
+          </a:p>
+          <a:p>
+            <a:pPr algn="just"/>
+            <a:r>
+              <a:rPr lang="es-MX" sz="1400" dirty="0">
+                <a:latin typeface="LM Roman 10" panose="00000500000000000000" pitchFamily="50" charset="0"/>
+              </a:rPr>
+              <a:t>5 Virus del mosaico</a:t>
+            </a:r>
+          </a:p>
+          <a:p>
+            <a:pPr algn="just"/>
+            <a:r>
+              <a:rPr lang="es-MX" sz="1400" dirty="0">
+                <a:latin typeface="LM Roman 10" panose="00000500000000000000" pitchFamily="50" charset="0"/>
+              </a:rPr>
+              <a:t>6 Mancha en forma de blanco</a:t>
+            </a:r>
+          </a:p>
+          <a:p>
+            <a:pPr algn="just"/>
+            <a:r>
+              <a:rPr lang="es-MX" sz="1400" dirty="0">
+                <a:latin typeface="LM Roman 10" panose="00000500000000000000" pitchFamily="50" charset="0"/>
+              </a:rPr>
+              <a:t>7 Tizón temprano</a:t>
+            </a:r>
+          </a:p>
+          <a:p>
+            <a:pPr algn="just"/>
+            <a:r>
+              <a:rPr lang="es-MX" sz="1400" dirty="0">
+                <a:latin typeface="LM Roman 10" panose="00000500000000000000" pitchFamily="50" charset="0"/>
+              </a:rPr>
+              <a:t>8 Tizón tardío</a:t>
+            </a:r>
+          </a:p>
+          <a:p>
+            <a:pPr algn="just"/>
+            <a:r>
+              <a:rPr lang="es-MX" sz="1400" dirty="0">
+                <a:latin typeface="LM Roman 10" panose="00000500000000000000" pitchFamily="50" charset="0"/>
+              </a:rPr>
+              <a:t>9 </a:t>
+            </a:r>
+            <a:r>
+              <a:rPr lang="es-MX" sz="1400" dirty="0" err="1">
+                <a:latin typeface="LM Roman 10" panose="00000500000000000000" pitchFamily="50" charset="0"/>
+              </a:rPr>
+              <a:t>Passalora</a:t>
+            </a:r>
+            <a:r>
+              <a:rPr lang="es-MX" sz="1400" dirty="0">
+                <a:latin typeface="LM Roman 10" panose="00000500000000000000" pitchFamily="50" charset="0"/>
+              </a:rPr>
+              <a:t> fulva (Moho en la hoja</a:t>
+            </a:r>
+            <a:r>
+              <a:rPr lang="es-MX" sz="1400" dirty="0" smtClean="0">
+                <a:latin typeface="LM Roman 10" panose="00000500000000000000" pitchFamily="50" charset="0"/>
+              </a:rPr>
+              <a:t>)</a:t>
+            </a:r>
+            <a:endParaRPr lang="es-MX" sz="1400" dirty="0">
+              <a:latin typeface="LM Roman 10" panose="00000500000000000000" pitchFamily="50" charset="0"/>
+            </a:endParaRPr>
+          </a:p>
+        </p:txBody>
+      </p:sp>
+    </p:spTree>
+    <p:extLst>
+      <p:ext uri="{BB962C8B-B14F-4D97-AF65-F5344CB8AC3E}">
+        <p14:creationId xmlns:p14="http://schemas.microsoft.com/office/powerpoint/2010/main" val="441673816"/>
+      </p:ext>
+    </p:extLst>
+  </p:cSld>
+  <p:clrMapOvr>
+    <a:masterClrMapping/>
+  </p:clrMapOvr>
+  <mc:AlternateContent xmlns:mc="http://schemas.openxmlformats.org/markup-compatibility/2006" xmlns:p14="http://schemas.microsoft.com/office/powerpoint/2010/main">
+    <mc:Choice Requires="p14">
+      <p:transition spd="slow" p14:dur="2000">
+        <p14:reveal/>
+      </p:transition>
+    </mc:Choice>
+    <mc:Fallback xmlns="">
+      <p:transition spd="slow">
+        <p:fade/>
+      </p:transition>
+    </mc:Fallback>
+  </mc:AlternateContent>
+</p:sld>
+</file>
+
+<file path=ppt/slides/slide17.xml><?xml version="1.0" encoding="utf-8"?>
+<p:sld xmlns:a="http://schemas.openxmlformats.org/drawingml/2006/main" xmlns:r="http://schemas.openxmlformats.org/officeDocument/2006/relationships" xmlns:p="http://schemas.openxmlformats.org/presentationml/2006/main">
+  <p:cSld>
+    <p:spTree>
+      <p:nvGrpSpPr>
+        <p:cNvPr id="1" name=""/>
+        <p:cNvGrpSpPr/>
+        <p:nvPr/>
+      </p:nvGrpSpPr>
+      <p:grpSpPr>
+        <a:xfrm>
+          <a:off x="0" y="0"/>
+          <a:ext cx="0" cy="0"/>
+          <a:chOff x="0" y="0"/>
+          <a:chExt cx="0" cy="0"/>
+        </a:xfrm>
+      </p:grpSpPr>
+      <p:sp>
+        <p:nvSpPr>
           <p:cNvPr id="11" name="10 CuadroTexto"/>
           <p:cNvSpPr txBox="1"/>
           <p:nvPr/>
@@ -12334,7 +14381,7 @@
           <a:p>
             <a:fld id="{584960AB-56A8-4290-9210-164452CD4D77}" type="slidenum">
               <a:rPr lang="es-MX" smtClean="0"/>
-              <a:t>16</a:t>
+              <a:t>17</a:t>
             </a:fld>
             <a:endParaRPr lang="es-MX"/>
           </a:p>
@@ -12932,7 +14979,7 @@
 </p:sld>
 </file>
 
-<file path=ppt/slides/slide17.xml><?xml version="1.0" encoding="utf-8"?>
+<file path=ppt/slides/slide18.xml><?xml version="1.0" encoding="utf-8"?>
 <p:sld xmlns:a="http://schemas.openxmlformats.org/drawingml/2006/main" xmlns:r="http://schemas.openxmlformats.org/officeDocument/2006/relationships" xmlns:p="http://schemas.openxmlformats.org/presentationml/2006/main">
   <p:cSld>
     <p:spTree>
@@ -13007,7 +15054,7 @@
           <a:p>
             <a:fld id="{584960AB-56A8-4290-9210-164452CD4D77}" type="slidenum">
               <a:rPr lang="es-MX" smtClean="0"/>
-              <a:t>17</a:t>
+              <a:t>18</a:t>
             </a:fld>
             <a:endParaRPr lang="es-MX"/>
           </a:p>
@@ -13087,14 +15134,7 @@
                 <a:effectLst/>
                 <a:latin typeface="LM Roman 10" pitchFamily="50" charset="0"/>
               </a:rPr>
-              <a:t>Sistema</a:t>
-            </a:r>
-            <a:r>
-              <a:rPr lang="es-MX" dirty="0" smtClean="0">
-                <a:effectLst/>
-                <a:latin typeface="LM Roman 10" pitchFamily="50" charset="0"/>
-              </a:rPr>
-              <a:t> </a:t>
+              <a:t>Sistema </a:t>
             </a:r>
             <a:r>
               <a:rPr lang="es-MX" dirty="0">
@@ -13173,14 +15213,7 @@
                 <a:effectLst/>
                 <a:latin typeface="LM Roman 10" pitchFamily="50" charset="0"/>
               </a:rPr>
-              <a:t>5.1</a:t>
-            </a:r>
-            <a:r>
-              <a:rPr lang="es-MX" sz="2800" dirty="0" smtClean="0">
-                <a:effectLst/>
-                <a:latin typeface="LM Roman 10" pitchFamily="50" charset="0"/>
-              </a:rPr>
-              <a:t> Implementación</a:t>
+              <a:t>5.1 Implementación</a:t>
             </a:r>
             <a:endParaRPr lang="es-MX" sz="2800" dirty="0">
               <a:effectLst/>
@@ -13578,7 +15611,7 @@
 </p:sld>
 </file>
 
-<file path=ppt/slides/slide18.xml><?xml version="1.0" encoding="utf-8"?>
+<file path=ppt/slides/slide19.xml><?xml version="1.0" encoding="utf-8"?>
 <p:sld xmlns:a="http://schemas.openxmlformats.org/drawingml/2006/main" xmlns:r="http://schemas.openxmlformats.org/officeDocument/2006/relationships" xmlns:p="http://schemas.openxmlformats.org/presentationml/2006/main">
   <p:cSld>
     <p:spTree>
@@ -13772,7 +15805,7 @@
           <a:p>
             <a:fld id="{584960AB-56A8-4290-9210-164452CD4D77}" type="slidenum">
               <a:rPr lang="es-MX" smtClean="0"/>
-              <a:t>18</a:t>
+              <a:t>19</a:t>
             </a:fld>
             <a:endParaRPr lang="es-MX"/>
           </a:p>
@@ -13852,14 +15885,7 @@
                 <a:effectLst/>
                 <a:latin typeface="LM Roman 10" pitchFamily="50" charset="0"/>
               </a:rPr>
-              <a:t>Sistema</a:t>
-            </a:r>
-            <a:r>
-              <a:rPr lang="es-MX" dirty="0" smtClean="0">
-                <a:effectLst/>
-                <a:latin typeface="LM Roman 10" pitchFamily="50" charset="0"/>
-              </a:rPr>
-              <a:t> </a:t>
+              <a:t>Sistema </a:t>
             </a:r>
             <a:r>
               <a:rPr lang="es-MX" dirty="0">
@@ -13938,14 +15964,7 @@
                 <a:effectLst/>
                 <a:latin typeface="LM Roman 10" pitchFamily="50" charset="0"/>
               </a:rPr>
-              <a:t>5.2</a:t>
-            </a:r>
-            <a:r>
-              <a:rPr lang="es-MX" sz="2800" dirty="0" smtClean="0">
-                <a:effectLst/>
-                <a:latin typeface="LM Roman 10" pitchFamily="50" charset="0"/>
-              </a:rPr>
-              <a:t> Implantación</a:t>
+              <a:t>5.2 Implantación</a:t>
             </a:r>
             <a:endParaRPr lang="es-MX" sz="2800" dirty="0">
               <a:effectLst/>
@@ -14277,348 +16296,6 @@
     <p:extLst>
       <p:ext uri="{BB962C8B-B14F-4D97-AF65-F5344CB8AC3E}">
         <p14:creationId xmlns:p14="http://schemas.microsoft.com/office/powerpoint/2010/main" val="31988077"/>
-      </p:ext>
-    </p:extLst>
-  </p:cSld>
-  <p:clrMapOvr>
-    <a:masterClrMapping/>
-  </p:clrMapOvr>
-  <mc:AlternateContent xmlns:mc="http://schemas.openxmlformats.org/markup-compatibility/2006" xmlns:p14="http://schemas.microsoft.com/office/powerpoint/2010/main">
-    <mc:Choice Requires="p14">
-      <p:transition spd="slow" p14:dur="2000">
-        <p14:reveal/>
-      </p:transition>
-    </mc:Choice>
-    <mc:Fallback xmlns="">
-      <p:transition spd="slow">
-        <p:fade/>
-      </p:transition>
-    </mc:Fallback>
-  </mc:AlternateContent>
-</p:sld>
-</file>
-
-<file path=ppt/slides/slide19.xml><?xml version="1.0" encoding="utf-8"?>
-<p:sld xmlns:a="http://schemas.openxmlformats.org/drawingml/2006/main" xmlns:r="http://schemas.openxmlformats.org/officeDocument/2006/relationships" xmlns:p="http://schemas.openxmlformats.org/presentationml/2006/main">
-  <p:cSld>
-    <p:spTree>
-      <p:nvGrpSpPr>
-        <p:cNvPr id="1" name=""/>
-        <p:cNvGrpSpPr/>
-        <p:nvPr/>
-      </p:nvGrpSpPr>
-      <p:grpSpPr>
-        <a:xfrm>
-          <a:off x="0" y="0"/>
-          <a:ext cx="0" cy="0"/>
-          <a:chOff x="0" y="0"/>
-          <a:chExt cx="0" cy="0"/>
-        </a:xfrm>
-      </p:grpSpPr>
-      <p:sp>
-        <p:nvSpPr>
-          <p:cNvPr id="11" name="10 CuadroTexto"/>
-          <p:cNvSpPr txBox="1"/>
-          <p:nvPr/>
-        </p:nvSpPr>
-        <p:spPr>
-          <a:xfrm>
-            <a:off x="464340" y="2132856"/>
-            <a:ext cx="7572428" cy="1015663"/>
-          </a:xfrm>
-          <a:prstGeom prst="rect">
-            <a:avLst/>
-          </a:prstGeom>
-          <a:noFill/>
-        </p:spPr>
-        <p:txBody>
-          <a:bodyPr wrap="square" rtlCol="0">
-            <a:spAutoFit/>
-          </a:bodyPr>
-          <a:lstStyle/>
-          <a:p>
-            <a:pPr algn="just"/>
-            <a:r>
-              <a:rPr lang="es-MX" sz="2000" dirty="0" smtClean="0">
-                <a:latin typeface="LM Roman 10" panose="00000500000000000000" pitchFamily="50" charset="0"/>
-              </a:rPr>
-              <a:t>También se modifico una imagen </a:t>
-            </a:r>
-            <a:r>
-              <a:rPr lang="es-MX" sz="2000" dirty="0" err="1" smtClean="0">
-                <a:latin typeface="LM Roman 10" panose="00000500000000000000" pitchFamily="50" charset="0"/>
-              </a:rPr>
-              <a:t>iso</a:t>
-            </a:r>
-            <a:r>
-              <a:rPr lang="es-MX" sz="2000" dirty="0" smtClean="0">
-                <a:latin typeface="LM Roman 10" panose="00000500000000000000" pitchFamily="50" charset="0"/>
-              </a:rPr>
-              <a:t> de </a:t>
-            </a:r>
-            <a:r>
-              <a:rPr lang="es-MX" sz="2000" dirty="0" err="1" smtClean="0">
-                <a:latin typeface="LM Roman 10" panose="00000500000000000000" pitchFamily="50" charset="0"/>
-              </a:rPr>
-              <a:t>Uubntu</a:t>
-            </a:r>
-            <a:r>
-              <a:rPr lang="es-MX" sz="2000" dirty="0" smtClean="0">
-                <a:latin typeface="LM Roman 10" panose="00000500000000000000" pitchFamily="50" charset="0"/>
-              </a:rPr>
-              <a:t> 16.04 en la que se incluye el </a:t>
-            </a:r>
-            <a:r>
-              <a:rPr lang="es-MX" sz="2000" dirty="0" err="1" smtClean="0">
-                <a:latin typeface="LM Roman 10" panose="00000500000000000000" pitchFamily="50" charset="0"/>
-              </a:rPr>
-              <a:t>jar</a:t>
-            </a:r>
-            <a:r>
-              <a:rPr lang="es-MX" sz="2000" dirty="0" smtClean="0">
-                <a:latin typeface="LM Roman 10" panose="00000500000000000000" pitchFamily="50" charset="0"/>
-              </a:rPr>
-              <a:t> y scripts para la instalación de </a:t>
-            </a:r>
-            <a:r>
-              <a:rPr lang="es-MX" sz="2000" dirty="0" err="1" smtClean="0">
-                <a:latin typeface="LM Roman 10" panose="00000500000000000000" pitchFamily="50" charset="0"/>
-              </a:rPr>
-              <a:t>OpenCV</a:t>
-            </a:r>
-            <a:r>
-              <a:rPr lang="es-MX" sz="2000" dirty="0" smtClean="0">
-                <a:latin typeface="LM Roman 10" panose="00000500000000000000" pitchFamily="50" charset="0"/>
-              </a:rPr>
-              <a:t> y la ejecución del </a:t>
-            </a:r>
-            <a:r>
-              <a:rPr lang="es-MX" sz="2000" dirty="0" err="1">
-                <a:latin typeface="LM Roman 10" panose="00000500000000000000" pitchFamily="50" charset="0"/>
-              </a:rPr>
-              <a:t>j</a:t>
-            </a:r>
-            <a:r>
-              <a:rPr lang="es-MX" sz="2000" dirty="0" err="1" smtClean="0">
-                <a:latin typeface="LM Roman 10" panose="00000500000000000000" pitchFamily="50" charset="0"/>
-              </a:rPr>
-              <a:t>ar</a:t>
-            </a:r>
-            <a:r>
-              <a:rPr lang="es-MX" sz="2000" dirty="0" smtClean="0">
-                <a:latin typeface="LM Roman 10" panose="00000500000000000000" pitchFamily="50" charset="0"/>
-              </a:rPr>
-              <a:t>.</a:t>
-            </a:r>
-            <a:endParaRPr lang="es-MX" sz="2000" dirty="0">
-              <a:latin typeface="LM Roman 10" panose="00000500000000000000" pitchFamily="50" charset="0"/>
-            </a:endParaRPr>
-          </a:p>
-        </p:txBody>
-      </p:sp>
-      <p:sp>
-        <p:nvSpPr>
-          <p:cNvPr id="2" name="Marcador de número de diapositiva 1"/>
-          <p:cNvSpPr>
-            <a:spLocks noGrp="1"/>
-          </p:cNvSpPr>
-          <p:nvPr>
-            <p:ph type="sldNum" sz="quarter" idx="12"/>
-          </p:nvPr>
-        </p:nvSpPr>
-        <p:spPr/>
-        <p:txBody>
-          <a:bodyPr/>
-          <a:lstStyle/>
-          <a:p>
-            <a:fld id="{584960AB-56A8-4290-9210-164452CD4D77}" type="slidenum">
-              <a:rPr lang="es-MX" smtClean="0"/>
-              <a:t>19</a:t>
-            </a:fld>
-            <a:endParaRPr lang="es-MX"/>
-          </a:p>
-        </p:txBody>
-      </p:sp>
-      <p:sp>
-        <p:nvSpPr>
-          <p:cNvPr id="5" name="1 Título"/>
-          <p:cNvSpPr txBox="1">
-            <a:spLocks/>
-          </p:cNvSpPr>
-          <p:nvPr/>
-        </p:nvSpPr>
-        <p:spPr>
-          <a:xfrm>
-            <a:off x="475928" y="-90264"/>
-            <a:ext cx="7560840" cy="1143000"/>
-          </a:xfrm>
-          <a:prstGeom prst="rect">
-            <a:avLst/>
-          </a:prstGeom>
-        </p:spPr>
-        <p:txBody>
-          <a:bodyPr rIns="91440" anchor="b">
-            <a:normAutofit/>
-            <a:scene3d>
-              <a:camera prst="orthographicFront"/>
-              <a:lightRig rig="soft" dir="t">
-                <a:rot lat="0" lon="0" rev="2400000"/>
-              </a:lightRig>
-            </a:scene3d>
-            <a:sp3d>
-              <a:bevelT w="19050" h="12700"/>
-            </a:sp3d>
-          </a:bodyPr>
-          <a:lstStyle>
-            <a:lvl1pPr marL="54864" algn="r" rtl="0" eaLnBrk="1" latinLnBrk="0" hangingPunct="1">
-              <a:spcBef>
-                <a:spcPct val="0"/>
-              </a:spcBef>
-              <a:buNone/>
-              <a:defRPr kumimoji="0" sz="4600" kern="1200">
-                <a:solidFill>
-                  <a:schemeClr val="tx2">
-                    <a:tint val="100000"/>
-                    <a:shade val="90000"/>
-                    <a:satMod val="250000"/>
-                    <a:alpha val="100000"/>
-                  </a:schemeClr>
-                </a:solidFill>
-                <a:effectLst>
-                  <a:outerShdw blurRad="38100" dist="25500" dir="5400000" algn="tl" rotWithShape="0">
-                    <a:srgbClr val="000000">
-                      <a:satMod val="180000"/>
-                      <a:alpha val="75000"/>
-                    </a:srgbClr>
-                  </a:outerShdw>
-                </a:effectLst>
-                <a:latin typeface="+mj-lt"/>
-                <a:ea typeface="+mj-ea"/>
-                <a:cs typeface="+mj-cs"/>
-              </a:defRPr>
-            </a:lvl1pPr>
-            <a:extLst/>
-          </a:lstStyle>
-          <a:p>
-            <a:pPr algn="just"/>
-            <a:r>
-              <a:rPr lang="es-MX" dirty="0">
-                <a:effectLst/>
-                <a:latin typeface="LM Roman 10" pitchFamily="50" charset="0"/>
-              </a:rPr>
-              <a:t>5. </a:t>
-            </a:r>
-            <a:r>
-              <a:rPr lang="es-MX" dirty="0" smtClean="0">
-                <a:effectLst/>
-                <a:latin typeface="LM Roman 10" pitchFamily="50" charset="0"/>
-              </a:rPr>
-              <a:t>Sistema</a:t>
-            </a:r>
-            <a:r>
-              <a:rPr lang="es-MX" dirty="0" smtClean="0">
-                <a:effectLst/>
-                <a:latin typeface="LM Roman 10" pitchFamily="50" charset="0"/>
-              </a:rPr>
-              <a:t> </a:t>
-            </a:r>
-            <a:r>
-              <a:rPr lang="es-MX" dirty="0">
-                <a:effectLst/>
-                <a:latin typeface="LM Roman 10" pitchFamily="50" charset="0"/>
-              </a:rPr>
-              <a:t>Web.</a:t>
-            </a:r>
-          </a:p>
-        </p:txBody>
-      </p:sp>
-      <p:sp>
-        <p:nvSpPr>
-          <p:cNvPr id="6" name="1 Título"/>
-          <p:cNvSpPr txBox="1">
-            <a:spLocks/>
-          </p:cNvSpPr>
-          <p:nvPr/>
-        </p:nvSpPr>
-        <p:spPr>
-          <a:xfrm>
-            <a:off x="533241" y="1124744"/>
-            <a:ext cx="6991087" cy="610488"/>
-          </a:xfrm>
-          <a:prstGeom prst="rect">
-            <a:avLst/>
-          </a:prstGeom>
-        </p:spPr>
-        <p:txBody>
-          <a:bodyPr rIns="91440" anchor="b">
-            <a:normAutofit/>
-            <a:scene3d>
-              <a:camera prst="orthographicFront"/>
-              <a:lightRig rig="soft" dir="t">
-                <a:rot lat="0" lon="0" rev="2400000"/>
-              </a:lightRig>
-            </a:scene3d>
-            <a:sp3d>
-              <a:bevelT w="19050" h="12700"/>
-            </a:sp3d>
-          </a:bodyPr>
-          <a:lstStyle>
-            <a:lvl1pPr marL="54864" algn="r" rtl="0" eaLnBrk="1" latinLnBrk="0" hangingPunct="1">
-              <a:spcBef>
-                <a:spcPct val="0"/>
-              </a:spcBef>
-              <a:buNone/>
-              <a:defRPr kumimoji="0" sz="4600" kern="1200">
-                <a:solidFill>
-                  <a:schemeClr val="tx2">
-                    <a:tint val="100000"/>
-                    <a:shade val="90000"/>
-                    <a:satMod val="250000"/>
-                    <a:alpha val="100000"/>
-                  </a:schemeClr>
-                </a:solidFill>
-                <a:effectLst>
-                  <a:outerShdw blurRad="38100" dist="25500" dir="5400000" algn="tl" rotWithShape="0">
-                    <a:srgbClr val="000000">
-                      <a:satMod val="180000"/>
-                      <a:alpha val="75000"/>
-                    </a:srgbClr>
-                  </a:outerShdw>
-                </a:effectLst>
-                <a:latin typeface="+mj-lt"/>
-                <a:ea typeface="+mj-ea"/>
-                <a:cs typeface="+mj-cs"/>
-              </a:defRPr>
-            </a:lvl1pPr>
-            <a:extLst/>
-          </a:lstStyle>
-          <a:p>
-            <a:pPr algn="just"/>
-            <a:r>
-              <a:rPr lang="es-MX" sz="2800" dirty="0" smtClean="0">
-                <a:effectLst/>
-                <a:latin typeface="LM Roman 10" pitchFamily="50" charset="0"/>
-              </a:rPr>
-              <a:t>5.2</a:t>
-            </a:r>
-            <a:r>
-              <a:rPr lang="es-MX" sz="2800" dirty="0" smtClean="0">
-                <a:effectLst/>
-                <a:latin typeface="LM Roman 10" pitchFamily="50" charset="0"/>
-              </a:rPr>
-              <a:t> Implantación</a:t>
-            </a:r>
-            <a:endParaRPr lang="es-MX" sz="2800" dirty="0">
-              <a:effectLst/>
-              <a:latin typeface="LM Roman 10" pitchFamily="50" charset="0"/>
-            </a:endParaRPr>
-          </a:p>
-        </p:txBody>
-      </p:sp>
-    </p:spTree>
-    <p:extLst>
-      <p:ext uri="{BB962C8B-B14F-4D97-AF65-F5344CB8AC3E}">
-        <p14:creationId xmlns:p14="http://schemas.microsoft.com/office/powerpoint/2010/main" val="3677277939"/>
       </p:ext>
     </p:extLst>
   </p:cSld>
@@ -14731,14 +16408,7 @@
                 <a:effectLst/>
                 <a:latin typeface="LM Roman 10" pitchFamily="50" charset="0"/>
               </a:rPr>
-              <a:t>. </a:t>
-            </a:r>
-            <a:r>
-              <a:rPr lang="es-MX" dirty="0" smtClean="0">
-                <a:effectLst/>
-                <a:latin typeface="LM Roman 10" pitchFamily="50" charset="0"/>
-              </a:rPr>
-              <a:t>Contenido</a:t>
+              <a:t>. Contenido</a:t>
             </a:r>
             <a:endParaRPr lang="es-MX" dirty="0">
               <a:effectLst/>
@@ -14945,6 +16615,107 @@
       </p:grpSpPr>
       <p:sp>
         <p:nvSpPr>
+          <p:cNvPr id="11" name="10 CuadroTexto"/>
+          <p:cNvSpPr txBox="1"/>
+          <p:nvPr/>
+        </p:nvSpPr>
+        <p:spPr>
+          <a:xfrm>
+            <a:off x="464340" y="2132856"/>
+            <a:ext cx="7572428" cy="1015663"/>
+          </a:xfrm>
+          <a:prstGeom prst="rect">
+            <a:avLst/>
+          </a:prstGeom>
+          <a:noFill/>
+        </p:spPr>
+        <p:txBody>
+          <a:bodyPr wrap="square" rtlCol="0">
+            <a:spAutoFit/>
+          </a:bodyPr>
+          <a:lstStyle/>
+          <a:p>
+            <a:pPr algn="just"/>
+            <a:r>
+              <a:rPr lang="es-MX" sz="2000" dirty="0" smtClean="0">
+                <a:latin typeface="LM Roman 10" panose="00000500000000000000" pitchFamily="50" charset="0"/>
+              </a:rPr>
+              <a:t>También se modifico una imagen </a:t>
+            </a:r>
+            <a:r>
+              <a:rPr lang="es-MX" sz="2000" dirty="0" err="1" smtClean="0">
+                <a:latin typeface="LM Roman 10" panose="00000500000000000000" pitchFamily="50" charset="0"/>
+              </a:rPr>
+              <a:t>iso</a:t>
+            </a:r>
+            <a:r>
+              <a:rPr lang="es-MX" sz="2000" dirty="0" smtClean="0">
+                <a:latin typeface="LM Roman 10" panose="00000500000000000000" pitchFamily="50" charset="0"/>
+              </a:rPr>
+              <a:t> de </a:t>
+            </a:r>
+            <a:r>
+              <a:rPr lang="es-MX" sz="2000" dirty="0" err="1" smtClean="0">
+                <a:latin typeface="LM Roman 10" panose="00000500000000000000" pitchFamily="50" charset="0"/>
+              </a:rPr>
+              <a:t>Uubntu</a:t>
+            </a:r>
+            <a:r>
+              <a:rPr lang="es-MX" sz="2000" dirty="0" smtClean="0">
+                <a:latin typeface="LM Roman 10" panose="00000500000000000000" pitchFamily="50" charset="0"/>
+              </a:rPr>
+              <a:t> 16.04 en la que se incluye el </a:t>
+            </a:r>
+            <a:r>
+              <a:rPr lang="es-MX" sz="2000" dirty="0" err="1" smtClean="0">
+                <a:latin typeface="LM Roman 10" panose="00000500000000000000" pitchFamily="50" charset="0"/>
+              </a:rPr>
+              <a:t>jar</a:t>
+            </a:r>
+            <a:r>
+              <a:rPr lang="es-MX" sz="2000" dirty="0" smtClean="0">
+                <a:latin typeface="LM Roman 10" panose="00000500000000000000" pitchFamily="50" charset="0"/>
+              </a:rPr>
+              <a:t> y scripts para la instalación de </a:t>
+            </a:r>
+            <a:r>
+              <a:rPr lang="es-MX" sz="2000" dirty="0" err="1" smtClean="0">
+                <a:latin typeface="LM Roman 10" panose="00000500000000000000" pitchFamily="50" charset="0"/>
+              </a:rPr>
+              <a:t>OpenCV</a:t>
+            </a:r>
+            <a:r>
+              <a:rPr lang="es-MX" sz="2000" dirty="0" smtClean="0">
+                <a:latin typeface="LM Roman 10" panose="00000500000000000000" pitchFamily="50" charset="0"/>
+              </a:rPr>
+              <a:t> y la ejecución del </a:t>
+            </a:r>
+            <a:r>
+              <a:rPr lang="es-MX" sz="2000" dirty="0" err="1">
+                <a:latin typeface="LM Roman 10" panose="00000500000000000000" pitchFamily="50" charset="0"/>
+              </a:rPr>
+              <a:t>j</a:t>
+            </a:r>
+            <a:r>
+              <a:rPr lang="es-MX" sz="2000" dirty="0" err="1" smtClean="0">
+                <a:latin typeface="LM Roman 10" panose="00000500000000000000" pitchFamily="50" charset="0"/>
+              </a:rPr>
+              <a:t>ar</a:t>
+            </a:r>
+            <a:r>
+              <a:rPr lang="es-MX" sz="2000" dirty="0" smtClean="0">
+                <a:latin typeface="LM Roman 10" panose="00000500000000000000" pitchFamily="50" charset="0"/>
+              </a:rPr>
+              <a:t>.</a:t>
+            </a:r>
+            <a:endParaRPr lang="es-MX" sz="2000" dirty="0">
+              <a:latin typeface="LM Roman 10" panose="00000500000000000000" pitchFamily="50" charset="0"/>
+            </a:endParaRPr>
+          </a:p>
+        </p:txBody>
+      </p:sp>
+      <p:sp>
+        <p:nvSpPr>
           <p:cNvPr id="2" name="Marcador de número de diapositiva 1"/>
           <p:cNvSpPr>
             <a:spLocks noGrp="1"/>
@@ -14961,6 +16732,262 @@
             <a:fld id="{584960AB-56A8-4290-9210-164452CD4D77}" type="slidenum">
               <a:rPr lang="es-MX" smtClean="0"/>
               <a:t>20</a:t>
+            </a:fld>
+            <a:endParaRPr lang="es-MX"/>
+          </a:p>
+        </p:txBody>
+      </p:sp>
+      <p:sp>
+        <p:nvSpPr>
+          <p:cNvPr id="5" name="1 Título"/>
+          <p:cNvSpPr txBox="1">
+            <a:spLocks/>
+          </p:cNvSpPr>
+          <p:nvPr/>
+        </p:nvSpPr>
+        <p:spPr>
+          <a:xfrm>
+            <a:off x="475928" y="-90264"/>
+            <a:ext cx="7560840" cy="1143000"/>
+          </a:xfrm>
+          <a:prstGeom prst="rect">
+            <a:avLst/>
+          </a:prstGeom>
+        </p:spPr>
+        <p:txBody>
+          <a:bodyPr rIns="91440" anchor="b">
+            <a:normAutofit/>
+            <a:scene3d>
+              <a:camera prst="orthographicFront"/>
+              <a:lightRig rig="soft" dir="t">
+                <a:rot lat="0" lon="0" rev="2400000"/>
+              </a:lightRig>
+            </a:scene3d>
+            <a:sp3d>
+              <a:bevelT w="19050" h="12700"/>
+            </a:sp3d>
+          </a:bodyPr>
+          <a:lstStyle>
+            <a:lvl1pPr marL="54864" algn="r" rtl="0" eaLnBrk="1" latinLnBrk="0" hangingPunct="1">
+              <a:spcBef>
+                <a:spcPct val="0"/>
+              </a:spcBef>
+              <a:buNone/>
+              <a:defRPr kumimoji="0" sz="4600" kern="1200">
+                <a:solidFill>
+                  <a:schemeClr val="tx2">
+                    <a:tint val="100000"/>
+                    <a:shade val="90000"/>
+                    <a:satMod val="250000"/>
+                    <a:alpha val="100000"/>
+                  </a:schemeClr>
+                </a:solidFill>
+                <a:effectLst>
+                  <a:outerShdw blurRad="38100" dist="25500" dir="5400000" algn="tl" rotWithShape="0">
+                    <a:srgbClr val="000000">
+                      <a:satMod val="180000"/>
+                      <a:alpha val="75000"/>
+                    </a:srgbClr>
+                  </a:outerShdw>
+                </a:effectLst>
+                <a:latin typeface="+mj-lt"/>
+                <a:ea typeface="+mj-ea"/>
+                <a:cs typeface="+mj-cs"/>
+              </a:defRPr>
+            </a:lvl1pPr>
+            <a:extLst/>
+          </a:lstStyle>
+          <a:p>
+            <a:pPr algn="just"/>
+            <a:r>
+              <a:rPr lang="es-MX" dirty="0">
+                <a:effectLst/>
+                <a:latin typeface="LM Roman 10" pitchFamily="50" charset="0"/>
+              </a:rPr>
+              <a:t>5. </a:t>
+            </a:r>
+            <a:r>
+              <a:rPr lang="es-MX" dirty="0" smtClean="0">
+                <a:effectLst/>
+                <a:latin typeface="LM Roman 10" pitchFamily="50" charset="0"/>
+              </a:rPr>
+              <a:t>Sistema </a:t>
+            </a:r>
+            <a:r>
+              <a:rPr lang="es-MX" dirty="0">
+                <a:effectLst/>
+                <a:latin typeface="LM Roman 10" pitchFamily="50" charset="0"/>
+              </a:rPr>
+              <a:t>Web.</a:t>
+            </a:r>
+          </a:p>
+        </p:txBody>
+      </p:sp>
+      <p:sp>
+        <p:nvSpPr>
+          <p:cNvPr id="6" name="1 Título"/>
+          <p:cNvSpPr txBox="1">
+            <a:spLocks/>
+          </p:cNvSpPr>
+          <p:nvPr/>
+        </p:nvSpPr>
+        <p:spPr>
+          <a:xfrm>
+            <a:off x="533241" y="1124744"/>
+            <a:ext cx="6991087" cy="610488"/>
+          </a:xfrm>
+          <a:prstGeom prst="rect">
+            <a:avLst/>
+          </a:prstGeom>
+        </p:spPr>
+        <p:txBody>
+          <a:bodyPr rIns="91440" anchor="b">
+            <a:normAutofit/>
+            <a:scene3d>
+              <a:camera prst="orthographicFront"/>
+              <a:lightRig rig="soft" dir="t">
+                <a:rot lat="0" lon="0" rev="2400000"/>
+              </a:lightRig>
+            </a:scene3d>
+            <a:sp3d>
+              <a:bevelT w="19050" h="12700"/>
+            </a:sp3d>
+          </a:bodyPr>
+          <a:lstStyle>
+            <a:lvl1pPr marL="54864" algn="r" rtl="0" eaLnBrk="1" latinLnBrk="0" hangingPunct="1">
+              <a:spcBef>
+                <a:spcPct val="0"/>
+              </a:spcBef>
+              <a:buNone/>
+              <a:defRPr kumimoji="0" sz="4600" kern="1200">
+                <a:solidFill>
+                  <a:schemeClr val="tx2">
+                    <a:tint val="100000"/>
+                    <a:shade val="90000"/>
+                    <a:satMod val="250000"/>
+                    <a:alpha val="100000"/>
+                  </a:schemeClr>
+                </a:solidFill>
+                <a:effectLst>
+                  <a:outerShdw blurRad="38100" dist="25500" dir="5400000" algn="tl" rotWithShape="0">
+                    <a:srgbClr val="000000">
+                      <a:satMod val="180000"/>
+                      <a:alpha val="75000"/>
+                    </a:srgbClr>
+                  </a:outerShdw>
+                </a:effectLst>
+                <a:latin typeface="+mj-lt"/>
+                <a:ea typeface="+mj-ea"/>
+                <a:cs typeface="+mj-cs"/>
+              </a:defRPr>
+            </a:lvl1pPr>
+            <a:extLst/>
+          </a:lstStyle>
+          <a:p>
+            <a:pPr algn="just"/>
+            <a:r>
+              <a:rPr lang="es-MX" sz="2800" dirty="0" smtClean="0">
+                <a:effectLst/>
+                <a:latin typeface="LM Roman 10" pitchFamily="50" charset="0"/>
+              </a:rPr>
+              <a:t>5.2 Implantación</a:t>
+            </a:r>
+            <a:endParaRPr lang="es-MX" sz="2800" dirty="0">
+              <a:effectLst/>
+              <a:latin typeface="LM Roman 10" pitchFamily="50" charset="0"/>
+            </a:endParaRPr>
+          </a:p>
+        </p:txBody>
+      </p:sp>
+      <p:pic>
+        <p:nvPicPr>
+          <p:cNvPr id="3" name="Picture 2"/>
+          <p:cNvPicPr>
+            <a:picLocks noChangeAspect="1"/>
+          </p:cNvPicPr>
+          <p:nvPr/>
+        </p:nvPicPr>
+        <p:blipFill rotWithShape="1">
+          <a:blip r:embed="rId2">
+            <a:extLst>
+              <a:ext uri="{28A0092B-C50C-407E-A947-70E740481C1C}">
+                <a14:useLocalDpi xmlns:a14="http://schemas.microsoft.com/office/drawing/2010/main" val="0"/>
+              </a:ext>
+            </a:extLst>
+          </a:blip>
+          <a:srcRect b="57867"/>
+          <a:stretch/>
+        </p:blipFill>
+        <p:spPr>
+          <a:xfrm>
+            <a:off x="564948" y="3356992"/>
+            <a:ext cx="7608575" cy="2982520"/>
+          </a:xfrm>
+          <a:prstGeom prst="rect">
+            <a:avLst/>
+          </a:prstGeom>
+        </p:spPr>
+      </p:pic>
+    </p:spTree>
+    <p:extLst>
+      <p:ext uri="{BB962C8B-B14F-4D97-AF65-F5344CB8AC3E}">
+        <p14:creationId xmlns:p14="http://schemas.microsoft.com/office/powerpoint/2010/main" val="3677277939"/>
+      </p:ext>
+    </p:extLst>
+  </p:cSld>
+  <p:clrMapOvr>
+    <a:masterClrMapping/>
+  </p:clrMapOvr>
+  <mc:AlternateContent xmlns:mc="http://schemas.openxmlformats.org/markup-compatibility/2006" xmlns:p14="http://schemas.microsoft.com/office/powerpoint/2010/main">
+    <mc:Choice Requires="p14">
+      <p:transition spd="slow" p14:dur="2000">
+        <p14:reveal/>
+      </p:transition>
+    </mc:Choice>
+    <mc:Fallback xmlns="">
+      <p:transition spd="slow">
+        <p:fade/>
+      </p:transition>
+    </mc:Fallback>
+  </mc:AlternateContent>
+</p:sld>
+</file>
+
+<file path=ppt/slides/slide21.xml><?xml version="1.0" encoding="utf-8"?>
+<p:sld xmlns:a="http://schemas.openxmlformats.org/drawingml/2006/main" xmlns:r="http://schemas.openxmlformats.org/officeDocument/2006/relationships" xmlns:p="http://schemas.openxmlformats.org/presentationml/2006/main">
+  <p:cSld>
+    <p:spTree>
+      <p:nvGrpSpPr>
+        <p:cNvPr id="1" name=""/>
+        <p:cNvGrpSpPr/>
+        <p:nvPr/>
+      </p:nvGrpSpPr>
+      <p:grpSpPr>
+        <a:xfrm>
+          <a:off x="0" y="0"/>
+          <a:ext cx="0" cy="0"/>
+          <a:chOff x="0" y="0"/>
+          <a:chExt cx="0" cy="0"/>
+        </a:xfrm>
+      </p:grpSpPr>
+      <p:sp>
+        <p:nvSpPr>
+          <p:cNvPr id="2" name="Marcador de número de diapositiva 1"/>
+          <p:cNvSpPr>
+            <a:spLocks noGrp="1"/>
+          </p:cNvSpPr>
+          <p:nvPr>
+            <p:ph type="sldNum" sz="quarter" idx="12"/>
+          </p:nvPr>
+        </p:nvSpPr>
+        <p:spPr/>
+        <p:txBody>
+          <a:bodyPr/>
+          <a:lstStyle/>
+          <a:p>
+            <a:fld id="{584960AB-56A8-4290-9210-164452CD4D77}" type="slidenum">
+              <a:rPr lang="es-MX" smtClean="0"/>
+              <a:t>21</a:t>
             </a:fld>
             <a:endParaRPr lang="es-MX"/>
           </a:p>
@@ -15040,14 +17067,7 @@
                 <a:effectLst/>
                 <a:latin typeface="LM Roman 10" pitchFamily="50" charset="0"/>
               </a:rPr>
-              <a:t>Pruebas del sistema</a:t>
-            </a:r>
-            <a:r>
-              <a:rPr lang="es-MX" dirty="0" smtClean="0">
-                <a:effectLst/>
-                <a:latin typeface="LM Roman 10" pitchFamily="50" charset="0"/>
-              </a:rPr>
-              <a:t>.</a:t>
+              <a:t>Pruebas del sistema.</a:t>
             </a:r>
             <a:endParaRPr lang="es-MX" dirty="0">
               <a:effectLst/>
@@ -16048,14 +18068,7 @@
                 <a:effectLst/>
                 <a:latin typeface="LM Roman 10" pitchFamily="50" charset="0"/>
               </a:rPr>
-              <a:t>6.1</a:t>
-            </a:r>
-            <a:r>
-              <a:rPr lang="es-MX" sz="2800" dirty="0" smtClean="0">
-                <a:effectLst/>
-                <a:latin typeface="LM Roman 10" pitchFamily="50" charset="0"/>
-              </a:rPr>
-              <a:t> Pruebas</a:t>
+              <a:t>6.1 Pruebas</a:t>
             </a:r>
             <a:endParaRPr lang="es-MX" sz="2800" dirty="0">
               <a:effectLst/>
@@ -16089,7 +18102,7 @@
 </p:sld>
 </file>
 
-<file path=ppt/slides/slide21.xml><?xml version="1.0" encoding="utf-8"?>
+<file path=ppt/slides/slide22.xml><?xml version="1.0" encoding="utf-8"?>
 <p:sld xmlns:a="http://schemas.openxmlformats.org/drawingml/2006/main" xmlns:r="http://schemas.openxmlformats.org/officeDocument/2006/relationships" xmlns:p="http://schemas.openxmlformats.org/presentationml/2006/main">
   <p:cSld>
     <p:spTree>
@@ -16123,7 +18136,7 @@
           <a:p>
             <a:fld id="{584960AB-56A8-4290-9210-164452CD4D77}" type="slidenum">
               <a:rPr lang="es-MX" smtClean="0"/>
-              <a:t>21</a:t>
+              <a:t>22</a:t>
             </a:fld>
             <a:endParaRPr lang="es-MX"/>
           </a:p>
@@ -16918,14 +18931,7 @@
                 <a:effectLst/>
                 <a:latin typeface="LM Roman 10" pitchFamily="50" charset="0"/>
               </a:rPr>
-              <a:t>.2</a:t>
-            </a:r>
-            <a:r>
-              <a:rPr lang="es-MX" sz="2800" dirty="0" smtClean="0">
-                <a:effectLst/>
-                <a:latin typeface="LM Roman 10" pitchFamily="50" charset="0"/>
-              </a:rPr>
-              <a:t> Resultados</a:t>
+              <a:t>.2 Resultados</a:t>
             </a:r>
             <a:endParaRPr lang="es-MX" sz="2800" dirty="0">
               <a:effectLst/>
@@ -17008,14 +19014,7 @@
                 <a:effectLst/>
                 <a:latin typeface="LM Roman 10" pitchFamily="50" charset="0"/>
               </a:rPr>
-              <a:t>Pruebas del sistema</a:t>
-            </a:r>
-            <a:r>
-              <a:rPr lang="es-MX" dirty="0" smtClean="0">
-                <a:effectLst/>
-                <a:latin typeface="LM Roman 10" pitchFamily="50" charset="0"/>
-              </a:rPr>
-              <a:t>.</a:t>
+              <a:t>Pruebas del sistema.</a:t>
             </a:r>
             <a:endParaRPr lang="es-MX" dirty="0">
               <a:effectLst/>
@@ -17049,7 +19048,7 @@
 </p:sld>
 </file>
 
-<file path=ppt/slides/slide22.xml><?xml version="1.0" encoding="utf-8"?>
+<file path=ppt/slides/slide23.xml><?xml version="1.0" encoding="utf-8"?>
 <p:sld xmlns:a="http://schemas.openxmlformats.org/drawingml/2006/main" xmlns:r="http://schemas.openxmlformats.org/officeDocument/2006/relationships" xmlns:p="http://schemas.openxmlformats.org/presentationml/2006/main">
   <p:cSld>
     <p:spTree>
@@ -17083,7 +19082,7 @@
           <a:p>
             <a:fld id="{584960AB-56A8-4290-9210-164452CD4D77}" type="slidenum">
               <a:rPr lang="es-MX" smtClean="0"/>
-              <a:t>22</a:t>
+              <a:t>23</a:t>
             </a:fld>
             <a:endParaRPr lang="es-MX"/>
           </a:p>
@@ -17161,16 +19160,259 @@
           </a:p>
         </p:txBody>
       </p:sp>
+      <p:sp>
+        <p:nvSpPr>
+          <p:cNvPr id="8" name="10 CuadroTexto"/>
+          <p:cNvSpPr txBox="1"/>
+          <p:nvPr/>
+        </p:nvSpPr>
+        <p:spPr>
+          <a:xfrm>
+            <a:off x="464340" y="1556792"/>
+            <a:ext cx="7572428" cy="3785652"/>
+          </a:xfrm>
+          <a:prstGeom prst="rect">
+            <a:avLst/>
+          </a:prstGeom>
+          <a:noFill/>
+        </p:spPr>
+        <p:txBody>
+          <a:bodyPr wrap="square" rtlCol="0">
+            <a:spAutoFit/>
+          </a:bodyPr>
+          <a:lstStyle/>
+          <a:p>
+            <a:pPr marL="342900" indent="-342900" algn="just">
+              <a:buFont typeface="Arial" panose="020B0604020202020204" pitchFamily="34" charset="0"/>
+              <a:buChar char="•"/>
+            </a:pPr>
+            <a:r>
+              <a:rPr lang="es-MX" sz="2000" dirty="0" smtClean="0">
+                <a:latin typeface="LM Roman 10" panose="00000500000000000000" pitchFamily="50" charset="0"/>
+              </a:rPr>
+              <a:t>Se desarrolló un sistema de reconocimiento de imágenes a partir de una red neuronal </a:t>
+            </a:r>
+            <a:r>
+              <a:rPr lang="es-MX" sz="2000" dirty="0" err="1" smtClean="0">
+                <a:latin typeface="LM Roman 10" panose="00000500000000000000" pitchFamily="50" charset="0"/>
+              </a:rPr>
+              <a:t>convolucional</a:t>
+            </a:r>
+            <a:r>
+              <a:rPr lang="es-MX" sz="2000" dirty="0" smtClean="0">
+                <a:latin typeface="LM Roman 10" panose="00000500000000000000" pitchFamily="50" charset="0"/>
+              </a:rPr>
+              <a:t>.</a:t>
+            </a:r>
+          </a:p>
+          <a:p>
+            <a:pPr marL="342900" indent="-342900" algn="just">
+              <a:buFont typeface="Arial" panose="020B0604020202020204" pitchFamily="34" charset="0"/>
+              <a:buChar char="•"/>
+            </a:pPr>
+            <a:endParaRPr lang="es-MX" sz="2000" dirty="0" smtClean="0">
+              <a:latin typeface="LM Roman 10" panose="00000500000000000000" pitchFamily="50" charset="0"/>
+            </a:endParaRPr>
+          </a:p>
+          <a:p>
+            <a:pPr marL="342900" indent="-342900" algn="just">
+              <a:buFont typeface="Arial" panose="020B0604020202020204" pitchFamily="34" charset="0"/>
+              <a:buChar char="•"/>
+            </a:pPr>
+            <a:r>
+              <a:rPr lang="es-MX" sz="2000" dirty="0" smtClean="0">
+                <a:latin typeface="LM Roman 10" panose="00000500000000000000" pitchFamily="50" charset="0"/>
+              </a:rPr>
+              <a:t>Se entrenó la red neuronal sobre un conjunto de datos formado por 16,419 imágenes.</a:t>
+            </a:r>
+          </a:p>
+          <a:p>
+            <a:pPr marL="342900" indent="-342900" algn="just">
+              <a:buFont typeface="Arial" panose="020B0604020202020204" pitchFamily="34" charset="0"/>
+              <a:buChar char="•"/>
+            </a:pPr>
+            <a:endParaRPr lang="es-MX" sz="2000" dirty="0" smtClean="0">
+              <a:latin typeface="LM Roman 10" panose="00000500000000000000" pitchFamily="50" charset="0"/>
+            </a:endParaRPr>
+          </a:p>
+          <a:p>
+            <a:pPr marL="342900" indent="-342900" algn="just">
+              <a:buFont typeface="Arial" panose="020B0604020202020204" pitchFamily="34" charset="0"/>
+              <a:buChar char="•"/>
+            </a:pPr>
+            <a:r>
+              <a:rPr lang="es-MX" sz="2000" dirty="0" smtClean="0">
+                <a:latin typeface="LM Roman 10" panose="00000500000000000000" pitchFamily="50" charset="0"/>
+              </a:rPr>
+              <a:t>Se logró identificar nueve enfermedades del tomate con una eficiencia de clasificación del 98.82%.</a:t>
+            </a:r>
+          </a:p>
+          <a:p>
+            <a:pPr marL="342900" indent="-342900" algn="just">
+              <a:buFont typeface="Arial" panose="020B0604020202020204" pitchFamily="34" charset="0"/>
+              <a:buChar char="•"/>
+            </a:pPr>
+            <a:endParaRPr lang="es-MX" sz="2000" dirty="0">
+              <a:latin typeface="LM Roman 10" panose="00000500000000000000" pitchFamily="50" charset="0"/>
+            </a:endParaRPr>
+          </a:p>
+          <a:p>
+            <a:pPr marL="342900" indent="-342900" algn="just">
+              <a:buFont typeface="Arial" panose="020B0604020202020204" pitchFamily="34" charset="0"/>
+              <a:buChar char="•"/>
+            </a:pPr>
+            <a:r>
+              <a:rPr lang="es-MX" sz="2000" dirty="0" smtClean="0">
+                <a:latin typeface="LM Roman 10" panose="00000500000000000000" pitchFamily="50" charset="0"/>
+              </a:rPr>
+              <a:t>Se implantó la red neuronal en un ambiente web a través del cual usuarios pueden realizar identificaciones de enfermedades del tomate.</a:t>
+            </a:r>
+          </a:p>
+        </p:txBody>
+      </p:sp>
+    </p:spTree>
+    <p:extLst>
+      <p:ext uri="{BB962C8B-B14F-4D97-AF65-F5344CB8AC3E}">
+        <p14:creationId xmlns:p14="http://schemas.microsoft.com/office/powerpoint/2010/main" val="1720182913"/>
+      </p:ext>
+    </p:extLst>
+  </p:cSld>
+  <p:clrMapOvr>
+    <a:masterClrMapping/>
+  </p:clrMapOvr>
+  <mc:AlternateContent xmlns:mc="http://schemas.openxmlformats.org/markup-compatibility/2006" xmlns:p14="http://schemas.microsoft.com/office/powerpoint/2010/main">
+    <mc:Choice Requires="p14">
+      <p:transition spd="slow" p14:dur="2000">
+        <p14:reveal/>
+      </p:transition>
+    </mc:Choice>
+    <mc:Fallback xmlns="">
+      <p:transition spd="slow">
+        <p:fade/>
+      </p:transition>
+    </mc:Fallback>
+  </mc:AlternateContent>
+</p:sld>
+</file>
+
+<file path=ppt/slides/slide24.xml><?xml version="1.0" encoding="utf-8"?>
+<p:sld xmlns:a="http://schemas.openxmlformats.org/drawingml/2006/main" xmlns:r="http://schemas.openxmlformats.org/officeDocument/2006/relationships" xmlns:p="http://schemas.openxmlformats.org/presentationml/2006/main">
+  <p:cSld>
+    <p:spTree>
+      <p:nvGrpSpPr>
+        <p:cNvPr id="1" name=""/>
+        <p:cNvGrpSpPr/>
+        <p:nvPr/>
+      </p:nvGrpSpPr>
+      <p:grpSpPr>
+        <a:xfrm>
+          <a:off x="0" y="0"/>
+          <a:ext cx="0" cy="0"/>
+          <a:chOff x="0" y="0"/>
+          <a:chExt cx="0" cy="0"/>
+        </a:xfrm>
+      </p:grpSpPr>
+      <p:sp>
+        <p:nvSpPr>
+          <p:cNvPr id="2" name="Marcador de número de diapositiva 1"/>
+          <p:cNvSpPr>
+            <a:spLocks noGrp="1"/>
+          </p:cNvSpPr>
+          <p:nvPr>
+            <p:ph type="sldNum" sz="quarter" idx="12"/>
+          </p:nvPr>
+        </p:nvSpPr>
+        <p:spPr/>
+        <p:txBody>
+          <a:bodyPr/>
+          <a:lstStyle/>
+          <a:p>
+            <a:fld id="{584960AB-56A8-4290-9210-164452CD4D77}" type="slidenum">
+              <a:rPr lang="es-MX" smtClean="0"/>
+              <a:t>24</a:t>
+            </a:fld>
+            <a:endParaRPr lang="es-MX"/>
+          </a:p>
+        </p:txBody>
+      </p:sp>
+      <p:sp>
+        <p:nvSpPr>
+          <p:cNvPr id="12" name="1 Título"/>
+          <p:cNvSpPr txBox="1">
+            <a:spLocks/>
+          </p:cNvSpPr>
+          <p:nvPr/>
+        </p:nvSpPr>
+        <p:spPr>
+          <a:xfrm>
+            <a:off x="475928" y="-90264"/>
+            <a:ext cx="7560840" cy="1143000"/>
+          </a:xfrm>
+          <a:prstGeom prst="rect">
+            <a:avLst/>
+          </a:prstGeom>
+        </p:spPr>
+        <p:txBody>
+          <a:bodyPr rIns="91440" anchor="b">
+            <a:normAutofit/>
+            <a:scene3d>
+              <a:camera prst="orthographicFront"/>
+              <a:lightRig rig="soft" dir="t">
+                <a:rot lat="0" lon="0" rev="2400000"/>
+              </a:lightRig>
+            </a:scene3d>
+            <a:sp3d>
+              <a:bevelT w="19050" h="12700"/>
+            </a:sp3d>
+          </a:bodyPr>
+          <a:lstStyle>
+            <a:lvl1pPr marL="54864" algn="r" rtl="0" eaLnBrk="1" latinLnBrk="0" hangingPunct="1">
+              <a:spcBef>
+                <a:spcPct val="0"/>
+              </a:spcBef>
+              <a:buNone/>
+              <a:defRPr kumimoji="0" sz="4600" kern="1200">
+                <a:solidFill>
+                  <a:schemeClr val="tx2">
+                    <a:tint val="100000"/>
+                    <a:shade val="90000"/>
+                    <a:satMod val="250000"/>
+                    <a:alpha val="100000"/>
+                  </a:schemeClr>
+                </a:solidFill>
+                <a:effectLst>
+                  <a:outerShdw blurRad="38100" dist="25500" dir="5400000" algn="tl" rotWithShape="0">
+                    <a:srgbClr val="000000">
+                      <a:satMod val="180000"/>
+                      <a:alpha val="75000"/>
+                    </a:srgbClr>
+                  </a:outerShdw>
+                </a:effectLst>
+                <a:latin typeface="+mj-lt"/>
+                <a:ea typeface="+mj-ea"/>
+                <a:cs typeface="+mj-cs"/>
+              </a:defRPr>
+            </a:lvl1pPr>
+            <a:extLst/>
+          </a:lstStyle>
+          <a:p>
+            <a:pPr algn="just"/>
+            <a:r>
+              <a:rPr lang="es-MX" dirty="0">
+                <a:effectLst/>
+                <a:latin typeface="LM Roman 10" pitchFamily="50" charset="0"/>
+              </a:rPr>
+              <a:t>7. Conclusiones.</a:t>
+            </a:r>
+          </a:p>
+        </p:txBody>
+      </p:sp>
       <p:graphicFrame>
         <p:nvGraphicFramePr>
           <p:cNvPr id="19" name="Chart 18"/>
           <p:cNvGraphicFramePr/>
           <p:nvPr>
-            <p:extLst>
-              <p:ext uri="{D42A27DB-BD31-4B8C-83A1-F6EECF244321}">
-                <p14:modId xmlns:p14="http://schemas.microsoft.com/office/powerpoint/2010/main" val="776780109"/>
-              </p:ext>
-            </p:extLst>
+            <p:extLst/>
           </p:nvPr>
         </p:nvGraphicFramePr>
         <p:xfrm>
@@ -17188,11 +19430,7 @@
           <p:cNvPr id="20" name="Chart 19"/>
           <p:cNvGraphicFramePr/>
           <p:nvPr>
-            <p:extLst>
-              <p:ext uri="{D42A27DB-BD31-4B8C-83A1-F6EECF244321}">
-                <p14:modId xmlns:p14="http://schemas.microsoft.com/office/powerpoint/2010/main" val="263980899"/>
-              </p:ext>
-            </p:extLst>
+            <p:extLst/>
           </p:nvPr>
         </p:nvGraphicFramePr>
         <p:xfrm>
@@ -17210,11 +19448,7 @@
           <p:cNvPr id="21" name="Chart 20"/>
           <p:cNvGraphicFramePr/>
           <p:nvPr>
-            <p:extLst>
-              <p:ext uri="{D42A27DB-BD31-4B8C-83A1-F6EECF244321}">
-                <p14:modId xmlns:p14="http://schemas.microsoft.com/office/powerpoint/2010/main" val="380454659"/>
-              </p:ext>
-            </p:extLst>
+            <p:extLst/>
           </p:nvPr>
         </p:nvGraphicFramePr>
         <p:xfrm>
@@ -17240,11 +19474,7 @@
             <a:graphicFrameLocks noGrp="1"/>
           </p:cNvGraphicFramePr>
           <p:nvPr>
-            <p:extLst>
-              <p:ext uri="{D42A27DB-BD31-4B8C-83A1-F6EECF244321}">
-                <p14:modId xmlns:p14="http://schemas.microsoft.com/office/powerpoint/2010/main" val="1579057720"/>
-              </p:ext>
-            </p:extLst>
+            <p:extLst/>
           </p:nvPr>
         </p:nvGraphicFramePr>
         <p:xfrm>
@@ -17961,7 +20191,7 @@
     </p:spTree>
     <p:extLst>
       <p:ext uri="{BB962C8B-B14F-4D97-AF65-F5344CB8AC3E}">
-        <p14:creationId xmlns:p14="http://schemas.microsoft.com/office/powerpoint/2010/main" val="1720182913"/>
+        <p14:creationId xmlns:p14="http://schemas.microsoft.com/office/powerpoint/2010/main" val="903454116"/>
       </p:ext>
     </p:extLst>
   </p:cSld>
@@ -17983,7 +20213,7 @@
 </p:sld>
 </file>
 
-<file path=ppt/slides/slide23.xml><?xml version="1.0" encoding="utf-8"?>
+<file path=ppt/slides/slide25.xml><?xml version="1.0" encoding="utf-8"?>
 <p:sld xmlns:a="http://schemas.openxmlformats.org/drawingml/2006/main" xmlns:r="http://schemas.openxmlformats.org/officeDocument/2006/relationships" xmlns:p="http://schemas.openxmlformats.org/presentationml/2006/main">
   <p:cSld>
     <p:spTree>
@@ -18121,7 +20351,7 @@
           <a:p>
             <a:fld id="{584960AB-56A8-4290-9210-164452CD4D77}" type="slidenum">
               <a:rPr lang="es-MX" smtClean="0"/>
-              <a:t>23</a:t>
+              <a:t>25</a:t>
             </a:fld>
             <a:endParaRPr lang="es-MX"/>
           </a:p>
@@ -18224,7 +20454,7 @@
 </p:sld>
 </file>
 
-<file path=ppt/slides/slide24.xml><?xml version="1.0" encoding="utf-8"?>
+<file path=ppt/slides/slide26.xml><?xml version="1.0" encoding="utf-8"?>
 <p:sld xmlns:a="http://schemas.openxmlformats.org/drawingml/2006/main" xmlns:r="http://schemas.openxmlformats.org/officeDocument/2006/relationships" xmlns:p="http://schemas.openxmlformats.org/presentationml/2006/main">
   <p:cSld>
     <p:spTree>
@@ -18930,7 +21160,7 @@
           <a:p>
             <a:fld id="{584960AB-56A8-4290-9210-164452CD4D77}" type="slidenum">
               <a:rPr lang="es-MX" smtClean="0"/>
-              <a:t>24</a:t>
+              <a:t>26</a:t>
             </a:fld>
             <a:endParaRPr lang="es-MX"/>
           </a:p>
@@ -18961,7 +21191,7 @@
 </p:sld>
 </file>
 
-<file path=ppt/slides/slide25.xml><?xml version="1.0" encoding="utf-8"?>
+<file path=ppt/slides/slide27.xml><?xml version="1.0" encoding="utf-8"?>
 <p:sld xmlns:a="http://schemas.openxmlformats.org/drawingml/2006/main" xmlns:r="http://schemas.openxmlformats.org/officeDocument/2006/relationships" xmlns:p="http://schemas.openxmlformats.org/presentationml/2006/main">
   <p:cSld>
     <p:spTree>
@@ -18995,7 +21225,7 @@
           <a:p>
             <a:fld id="{584960AB-56A8-4290-9210-164452CD4D77}" type="slidenum">
               <a:rPr lang="es-MX" smtClean="0"/>
-              <a:t>25</a:t>
+              <a:t>27</a:t>
             </a:fld>
             <a:endParaRPr lang="es-MX"/>
           </a:p>
@@ -19953,8 +22183,29 @@
               <a:rPr lang="es-MX" sz="2000" dirty="0">
                 <a:latin typeface="LM Roman 10" pitchFamily="50" charset="0"/>
               </a:rPr>
-              <a:t>Implementar un sistema web en el que se aloje el clasificador y permita realizar identificaciones de enfermedades a los usuarios.</a:t>
-            </a:r>
+              <a:t>Implementar un sistema web en el que se aloje el clasificador y permita </a:t>
+            </a:r>
+            <a:r>
+              <a:rPr lang="es-MX" sz="2000" dirty="0" smtClean="0">
+                <a:latin typeface="LM Roman 10" pitchFamily="50" charset="0"/>
+              </a:rPr>
+              <a:t>a los usuarios realizar </a:t>
+            </a:r>
+            <a:r>
+              <a:rPr lang="es-MX" sz="2000" dirty="0">
+                <a:latin typeface="LM Roman 10" pitchFamily="50" charset="0"/>
+              </a:rPr>
+              <a:t>identificaciones de </a:t>
+            </a:r>
+            <a:r>
+              <a:rPr lang="es-MX" sz="2000" dirty="0" smtClean="0">
+                <a:latin typeface="LM Roman 10" pitchFamily="50" charset="0"/>
+              </a:rPr>
+              <a:t>enfermedades.</a:t>
+            </a:r>
+            <a:endParaRPr lang="es-MX" sz="2000" dirty="0">
+              <a:latin typeface="LM Roman 10" pitchFamily="50" charset="0"/>
+            </a:endParaRPr>
           </a:p>
         </p:txBody>
       </p:sp>
